--- a/planning/flowcharts/ppt/User-Struct with Mastery.pptx
+++ b/planning/flowcharts/ppt/User-Struct with Mastery.pptx
@@ -2426,6 +2426,13 @@
     <dgm:pt modelId="{D1D9654B-3751-41BA-A96F-89EA37606451}" type="sibTrans" cxnId="{84230C25-AB26-4F81-A09F-42FE598D1817}">
       <dgm:prSet/>
       <dgm:spPr/>
+      <dgm:t>
+        <a:bodyPr/>
+        <a:lstStyle/>
+        <a:p>
+          <a:endParaRPr lang="en-US"/>
+        </a:p>
+      </dgm:t>
     </dgm:pt>
     <dgm:pt modelId="{59C435B4-24E0-46EA-B5D2-06BD1F8D8E03}">
       <dgm:prSet phldrT="[Text]"/>
@@ -2455,6 +2462,13 @@
     <dgm:pt modelId="{36478F36-3220-44CA-B5A0-8AD97F6B1126}" type="sibTrans" cxnId="{4AFC18AC-11F2-4973-891F-3D7F3DF0309A}">
       <dgm:prSet/>
       <dgm:spPr/>
+      <dgm:t>
+        <a:bodyPr/>
+        <a:lstStyle/>
+        <a:p>
+          <a:endParaRPr lang="en-US"/>
+        </a:p>
+      </dgm:t>
     </dgm:pt>
     <dgm:pt modelId="{C11CB4CE-A011-4777-9C9B-4FBB4D8DC394}">
       <dgm:prSet phldrT="[Text]"/>
@@ -2484,6 +2498,13 @@
     <dgm:pt modelId="{184D13BB-65EE-4886-A214-7662AD7A6255}" type="sibTrans" cxnId="{7C75DA1A-4252-4F6B-B9D9-754D240A1E18}">
       <dgm:prSet/>
       <dgm:spPr/>
+      <dgm:t>
+        <a:bodyPr/>
+        <a:lstStyle/>
+        <a:p>
+          <a:endParaRPr lang="en-US"/>
+        </a:p>
+      </dgm:t>
     </dgm:pt>
     <dgm:pt modelId="{B5E8B234-6D8F-4C3B-BE69-6306BF9B3E53}">
       <dgm:prSet phldrT="[Text]"/>
@@ -2513,6 +2534,13 @@
     <dgm:pt modelId="{49339214-83BE-4B5B-A5FA-F35D3F31A839}" type="sibTrans" cxnId="{624AF8F6-1D61-4AB7-AE5F-A6DCE0BCA366}">
       <dgm:prSet/>
       <dgm:spPr/>
+      <dgm:t>
+        <a:bodyPr/>
+        <a:lstStyle/>
+        <a:p>
+          <a:endParaRPr lang="en-US"/>
+        </a:p>
+      </dgm:t>
     </dgm:pt>
     <dgm:pt modelId="{F6D32C75-D04B-4A71-BAA8-F52953FF4D18}">
       <dgm:prSet phldrT="[Text]"/>
@@ -2542,6 +2570,13 @@
     <dgm:pt modelId="{B36E9EF7-9D2B-4890-A133-A4524A92AF20}" type="sibTrans" cxnId="{83AAD10A-11BF-402D-BBE4-AA8225801EB9}">
       <dgm:prSet/>
       <dgm:spPr/>
+      <dgm:t>
+        <a:bodyPr/>
+        <a:lstStyle/>
+        <a:p>
+          <a:endParaRPr lang="en-US"/>
+        </a:p>
+      </dgm:t>
     </dgm:pt>
     <dgm:pt modelId="{293ABC0C-1B81-4A7E-855B-1CB282B28FDC}">
       <dgm:prSet phldrT="[Text]"/>
@@ -2571,6 +2606,13 @@
     <dgm:pt modelId="{068FDE34-6D6F-46B7-912D-7764B7B6576C}" type="sibTrans" cxnId="{12E2A032-B146-486C-A5B5-0A132632A066}">
       <dgm:prSet/>
       <dgm:spPr/>
+      <dgm:t>
+        <a:bodyPr/>
+        <a:lstStyle/>
+        <a:p>
+          <a:endParaRPr lang="en-US"/>
+        </a:p>
+      </dgm:t>
     </dgm:pt>
     <dgm:pt modelId="{9B2C2C5F-1E4F-47AE-9EA3-9F3D54F82FAC}">
       <dgm:prSet phldrT="[Text]"/>
@@ -2600,6 +2642,13 @@
     <dgm:pt modelId="{44C4487C-ED51-4EBF-BB4C-9034851B075B}" type="sibTrans" cxnId="{7A30315E-8A9F-4515-9801-B459DCCEAA66}">
       <dgm:prSet/>
       <dgm:spPr/>
+      <dgm:t>
+        <a:bodyPr/>
+        <a:lstStyle/>
+        <a:p>
+          <a:endParaRPr lang="en-US"/>
+        </a:p>
+      </dgm:t>
     </dgm:pt>
     <dgm:pt modelId="{49D50888-EC27-4F20-BAA3-7F45C11D5ECB}">
       <dgm:prSet phldrT="[Text]"/>
@@ -2629,6 +2678,13 @@
     <dgm:pt modelId="{80C77DB0-837C-4B82-814F-BD549DC2365D}" type="sibTrans" cxnId="{81BF1DB3-4172-4AD0-B11A-A8AA417FD4A7}">
       <dgm:prSet/>
       <dgm:spPr/>
+      <dgm:t>
+        <a:bodyPr/>
+        <a:lstStyle/>
+        <a:p>
+          <a:endParaRPr lang="en-US"/>
+        </a:p>
+      </dgm:t>
     </dgm:pt>
     <dgm:pt modelId="{1A6ABFC6-7D19-4BD0-9FE2-CFC5FC04677F}">
       <dgm:prSet phldrT="[Text]"/>
@@ -2658,6 +2714,13 @@
     <dgm:pt modelId="{7048E97A-EB4D-4616-AD90-5E153C1C2F75}" type="sibTrans" cxnId="{E36C1374-1E51-4D65-B383-26925DF26D28}">
       <dgm:prSet/>
       <dgm:spPr/>
+      <dgm:t>
+        <a:bodyPr/>
+        <a:lstStyle/>
+        <a:p>
+          <a:endParaRPr lang="en-US"/>
+        </a:p>
+      </dgm:t>
     </dgm:pt>
     <dgm:pt modelId="{8E5D51D1-A3BA-4328-BA02-745A85FECCE3}">
       <dgm:prSet phldrT="[Text]"/>
@@ -2696,6 +2759,13 @@
     <dgm:pt modelId="{1A23ED32-AD62-4D76-8E82-9B1F9EA4336C}" type="sibTrans" cxnId="{19B549F8-641A-48B0-B666-67D59DF797E2}">
       <dgm:prSet/>
       <dgm:spPr/>
+      <dgm:t>
+        <a:bodyPr/>
+        <a:lstStyle/>
+        <a:p>
+          <a:endParaRPr lang="en-US"/>
+        </a:p>
+      </dgm:t>
     </dgm:pt>
     <dgm:pt modelId="{51A079A7-EC05-43DA-AC13-6B4BAB65ADDF}">
       <dgm:prSet phldrT="[Text]"/>
@@ -2725,6 +2795,13 @@
     <dgm:pt modelId="{A61369ED-ED1F-4FDC-831D-CCAA96243905}" type="sibTrans" cxnId="{9C3A53A2-F2B8-4490-B074-C59D3F00B460}">
       <dgm:prSet/>
       <dgm:spPr/>
+      <dgm:t>
+        <a:bodyPr/>
+        <a:lstStyle/>
+        <a:p>
+          <a:endParaRPr lang="en-US"/>
+        </a:p>
+      </dgm:t>
     </dgm:pt>
     <dgm:pt modelId="{9A14FC63-C845-462F-A40D-911764D4D5C8}">
       <dgm:prSet phldrT="[Text]"/>
@@ -2754,6 +2831,13 @@
     <dgm:pt modelId="{8FC295BF-1D95-44DD-B257-CB15FF99AB7A}" type="sibTrans" cxnId="{6426FEA2-16E2-40B0-920C-E761EFF6590A}">
       <dgm:prSet/>
       <dgm:spPr/>
+      <dgm:t>
+        <a:bodyPr/>
+        <a:lstStyle/>
+        <a:p>
+          <a:endParaRPr lang="en-US"/>
+        </a:p>
+      </dgm:t>
     </dgm:pt>
     <dgm:pt modelId="{516DD88E-637C-490C-BBF3-B709735456D7}">
       <dgm:prSet phldrT="[Text]"/>
@@ -2783,6 +2867,13 @@
     <dgm:pt modelId="{617BA7A4-66E5-403A-9E24-DD1E4748FAC9}" type="sibTrans" cxnId="{0F6F64A6-B781-4FD2-A25A-FF6EB3AA5F60}">
       <dgm:prSet/>
       <dgm:spPr/>
+      <dgm:t>
+        <a:bodyPr/>
+        <a:lstStyle/>
+        <a:p>
+          <a:endParaRPr lang="en-US"/>
+        </a:p>
+      </dgm:t>
     </dgm:pt>
     <dgm:pt modelId="{4CA74B83-0D45-4590-8425-F6120E35011C}">
       <dgm:prSet phldrT="[Text]"/>
@@ -2812,6 +2903,13 @@
     <dgm:pt modelId="{DBF1B700-9C1C-426B-8FEA-27211A306FB1}" type="sibTrans" cxnId="{ADCA730A-5195-463B-860A-F48B8F318C3F}">
       <dgm:prSet/>
       <dgm:spPr/>
+      <dgm:t>
+        <a:bodyPr/>
+        <a:lstStyle/>
+        <a:p>
+          <a:endParaRPr lang="en-US"/>
+        </a:p>
+      </dgm:t>
     </dgm:pt>
     <dgm:pt modelId="{0E653C80-F5CD-4225-A77D-887C7EF97031}">
       <dgm:prSet phldrT="[Text]"/>
@@ -2841,6 +2939,13 @@
     <dgm:pt modelId="{8FC02346-7084-464C-933C-32BF68D9BFAD}" type="sibTrans" cxnId="{383F3EE9-A411-4E1D-AFA5-14BE9E7C1350}">
       <dgm:prSet/>
       <dgm:spPr/>
+      <dgm:t>
+        <a:bodyPr/>
+        <a:lstStyle/>
+        <a:p>
+          <a:endParaRPr lang="en-US"/>
+        </a:p>
+      </dgm:t>
     </dgm:pt>
     <dgm:pt modelId="{3643B32F-5A55-429A-A364-B5C1E761F184}">
       <dgm:prSet phldrT="[Text]"/>
@@ -2870,6 +2975,13 @@
     <dgm:pt modelId="{DAA3B49E-64CF-42C4-813C-D39359B5AC3B}" type="sibTrans" cxnId="{2B210397-F5AB-4A42-A90B-4CAFB4BC0D83}">
       <dgm:prSet/>
       <dgm:spPr/>
+      <dgm:t>
+        <a:bodyPr/>
+        <a:lstStyle/>
+        <a:p>
+          <a:endParaRPr lang="en-US"/>
+        </a:p>
+      </dgm:t>
     </dgm:pt>
     <dgm:pt modelId="{FBB0C8E4-12CA-47DE-A3BF-0DF6F2984D4F}">
       <dgm:prSet phldrT="[Text]"/>
@@ -2899,6 +3011,13 @@
     <dgm:pt modelId="{DE002B4A-454F-46D2-93D5-68509DA283B6}" type="sibTrans" cxnId="{AEBCF1A2-8033-4BBE-A24C-C82DB42C0904}">
       <dgm:prSet/>
       <dgm:spPr/>
+      <dgm:t>
+        <a:bodyPr/>
+        <a:lstStyle/>
+        <a:p>
+          <a:endParaRPr lang="en-US"/>
+        </a:p>
+      </dgm:t>
     </dgm:pt>
     <dgm:pt modelId="{5C195A65-1473-411F-9AE7-8226B2B136CC}">
       <dgm:prSet phldrT="[Text]"/>
@@ -2928,6 +3047,13 @@
     <dgm:pt modelId="{C35C83B0-095C-4AA6-9266-151947740DB2}" type="sibTrans" cxnId="{FD90923C-69C9-4849-8F71-DD3B0E4B8572}">
       <dgm:prSet/>
       <dgm:spPr/>
+      <dgm:t>
+        <a:bodyPr/>
+        <a:lstStyle/>
+        <a:p>
+          <a:endParaRPr lang="en-US"/>
+        </a:p>
+      </dgm:t>
     </dgm:pt>
     <dgm:pt modelId="{4C9983C7-F0CE-46AC-A167-C1F43A274DE9}">
       <dgm:prSet phldrT="[Text]"/>
@@ -2957,6 +3083,13 @@
     <dgm:pt modelId="{7615FE0E-EFD8-4E35-8CB9-8348785747B1}" type="sibTrans" cxnId="{84BE1288-7DA9-459E-9FB3-417EF168FC1D}">
       <dgm:prSet/>
       <dgm:spPr/>
+      <dgm:t>
+        <a:bodyPr/>
+        <a:lstStyle/>
+        <a:p>
+          <a:endParaRPr lang="en-US"/>
+        </a:p>
+      </dgm:t>
     </dgm:pt>
     <dgm:pt modelId="{7D44775D-AE7D-40CA-B168-9FC81BDDC009}">
       <dgm:prSet phldrT="[Text]"/>
@@ -2986,6 +3119,13 @@
     <dgm:pt modelId="{D5D58623-46FE-401C-BE99-4D3489463BA9}" type="sibTrans" cxnId="{36591736-58E7-47BB-B07E-C82E2F64A592}">
       <dgm:prSet/>
       <dgm:spPr/>
+      <dgm:t>
+        <a:bodyPr/>
+        <a:lstStyle/>
+        <a:p>
+          <a:endParaRPr lang="en-US"/>
+        </a:p>
+      </dgm:t>
     </dgm:pt>
     <dgm:pt modelId="{C3B2CECA-F81C-467C-86F3-7D744B038613}">
       <dgm:prSet phldrT="[Text]"/>
@@ -3015,6 +3155,13 @@
     <dgm:pt modelId="{BD059722-56CC-4BC1-843B-B9559411A68C}" type="sibTrans" cxnId="{E844F3D9-4322-4451-BC20-9294376A9858}">
       <dgm:prSet/>
       <dgm:spPr/>
+      <dgm:t>
+        <a:bodyPr/>
+        <a:lstStyle/>
+        <a:p>
+          <a:endParaRPr lang="en-US"/>
+        </a:p>
+      </dgm:t>
     </dgm:pt>
     <dgm:pt modelId="{F2598942-EE51-4953-BFDA-97C35575C2DA}">
       <dgm:prSet phldrT="[Text]"/>
@@ -3044,6 +3191,13 @@
     <dgm:pt modelId="{A634C579-53CF-4310-AC20-54C77777F4FF}" type="sibTrans" cxnId="{14E52F3A-FAF1-4815-864B-FD3D5C5554FB}">
       <dgm:prSet/>
       <dgm:spPr/>
+      <dgm:t>
+        <a:bodyPr/>
+        <a:lstStyle/>
+        <a:p>
+          <a:endParaRPr lang="en-US"/>
+        </a:p>
+      </dgm:t>
     </dgm:pt>
     <dgm:pt modelId="{9EF3E30B-57BF-44FE-B03B-204374D10725}">
       <dgm:prSet phldrT="[Text]"/>
@@ -3073,6 +3227,13 @@
     <dgm:pt modelId="{BB7E3F24-5567-43F0-970F-1A833788ECDE}" type="sibTrans" cxnId="{9F4BDC08-361D-4705-ADF0-FDE7B63A1E62}">
       <dgm:prSet/>
       <dgm:spPr/>
+      <dgm:t>
+        <a:bodyPr/>
+        <a:lstStyle/>
+        <a:p>
+          <a:endParaRPr lang="en-US"/>
+        </a:p>
+      </dgm:t>
     </dgm:pt>
     <dgm:pt modelId="{A8171430-5D65-41DF-8174-1B8A273C6813}">
       <dgm:prSet phldrT="[Text]"/>
@@ -3102,6 +3263,13 @@
     <dgm:pt modelId="{5DDC110A-7B0A-4CA2-BEA7-4321178D04DB}" type="sibTrans" cxnId="{A557FD76-196F-44FD-9CC7-D407C6F148E4}">
       <dgm:prSet/>
       <dgm:spPr/>
+      <dgm:t>
+        <a:bodyPr/>
+        <a:lstStyle/>
+        <a:p>
+          <a:endParaRPr lang="en-US"/>
+        </a:p>
+      </dgm:t>
     </dgm:pt>
     <dgm:pt modelId="{BB681E63-1471-4D97-BDBD-29DE9AD37D89}">
       <dgm:prSet phldrT="[Text]"/>
@@ -3131,6 +3299,13 @@
     <dgm:pt modelId="{2D5EDB45-DD57-4F1A-A5DE-BB367C7EAC8E}" type="sibTrans" cxnId="{313AFA6E-CD50-442F-8A5A-96092ABCDCBD}">
       <dgm:prSet/>
       <dgm:spPr/>
+      <dgm:t>
+        <a:bodyPr/>
+        <a:lstStyle/>
+        <a:p>
+          <a:endParaRPr lang="en-US"/>
+        </a:p>
+      </dgm:t>
     </dgm:pt>
     <dgm:pt modelId="{9997D3B7-9A85-4B02-9102-803D02EEB1E4}">
       <dgm:prSet phldrT="[Text]"/>
@@ -3160,6 +3335,13 @@
     <dgm:pt modelId="{829341BF-0434-4B2D-9999-EB088CFD4F92}" type="sibTrans" cxnId="{68D2C93B-E070-42A9-B9A7-F509532548DD}">
       <dgm:prSet/>
       <dgm:spPr/>
+      <dgm:t>
+        <a:bodyPr/>
+        <a:lstStyle/>
+        <a:p>
+          <a:endParaRPr lang="en-US"/>
+        </a:p>
+      </dgm:t>
     </dgm:pt>
     <dgm:pt modelId="{230AA5DB-9705-4933-995E-8A5373336778}">
       <dgm:prSet phldrT="[Text]"/>
@@ -3189,6 +3371,13 @@
     <dgm:pt modelId="{C0E843A8-09F2-4E61-B911-517C256F22D9}" type="sibTrans" cxnId="{8DB9F96A-9075-4568-8A78-09786BBC6F93}">
       <dgm:prSet/>
       <dgm:spPr/>
+      <dgm:t>
+        <a:bodyPr/>
+        <a:lstStyle/>
+        <a:p>
+          <a:endParaRPr lang="en-US"/>
+        </a:p>
+      </dgm:t>
     </dgm:pt>
     <dgm:pt modelId="{E152682F-E467-4DE2-9C68-B5768356B2CB}">
       <dgm:prSet phldrT="[Text]"/>
@@ -3218,6 +3407,13 @@
     <dgm:pt modelId="{068D4175-40CD-48A6-98E6-CC0A3B6743E1}" type="sibTrans" cxnId="{6CF9902E-D7F4-4168-AE44-F8D4F2C1CB08}">
       <dgm:prSet/>
       <dgm:spPr/>
+      <dgm:t>
+        <a:bodyPr/>
+        <a:lstStyle/>
+        <a:p>
+          <a:endParaRPr lang="en-US"/>
+        </a:p>
+      </dgm:t>
     </dgm:pt>
     <dgm:pt modelId="{3D1D5482-0EA5-45CE-A1D0-A1E6EEE6F466}">
       <dgm:prSet phldrT="[Text]"/>
@@ -3247,6 +3443,13 @@
     <dgm:pt modelId="{8D467459-AE56-42F5-AB1F-171B89FE4D63}" type="sibTrans" cxnId="{85391FD0-5D53-4AE2-BC58-EBA513CCA3BD}">
       <dgm:prSet/>
       <dgm:spPr/>
+      <dgm:t>
+        <a:bodyPr/>
+        <a:lstStyle/>
+        <a:p>
+          <a:endParaRPr lang="en-US"/>
+        </a:p>
+      </dgm:t>
     </dgm:pt>
     <dgm:pt modelId="{77599FF7-31F5-4237-89A6-C0B1E5A1C8C1}">
       <dgm:prSet phldrT="[Text]"/>
@@ -3274,6 +3477,13 @@
     <dgm:pt modelId="{FF595C82-EB11-43E7-AEF4-1FBE55178DFB}" type="sibTrans" cxnId="{9389F91F-5367-4E7E-8A5D-49582D19CBDA}">
       <dgm:prSet/>
       <dgm:spPr/>
+      <dgm:t>
+        <a:bodyPr/>
+        <a:lstStyle/>
+        <a:p>
+          <a:endParaRPr lang="en-US"/>
+        </a:p>
+      </dgm:t>
     </dgm:pt>
     <dgm:pt modelId="{2EBEA945-5E32-4401-918E-8239B7AF2EF6}" type="parTrans" cxnId="{9389F91F-5367-4E7E-8A5D-49582D19CBDA}">
       <dgm:prSet/>
@@ -3314,6 +3524,13 @@
     <dgm:pt modelId="{EB352DB8-FBD8-4258-B32F-F5879D116F1D}" type="sibTrans" cxnId="{362762D8-7517-4835-931A-820D45F7588E}">
       <dgm:prSet/>
       <dgm:spPr/>
+      <dgm:t>
+        <a:bodyPr/>
+        <a:lstStyle/>
+        <a:p>
+          <a:endParaRPr lang="en-US"/>
+        </a:p>
+      </dgm:t>
     </dgm:pt>
     <dgm:pt modelId="{CB5AE11B-EB43-4C0A-9CC0-D63A1EF99F8E}">
       <dgm:prSet phldrT="[Text]"/>
@@ -3343,6 +3560,13 @@
     <dgm:pt modelId="{9CCF69C0-D8AD-4DA6-A4B7-1456BA49C60C}" type="sibTrans" cxnId="{C0D64506-D110-47B3-95CE-A06B263D0DBB}">
       <dgm:prSet/>
       <dgm:spPr/>
+      <dgm:t>
+        <a:bodyPr/>
+        <a:lstStyle/>
+        <a:p>
+          <a:endParaRPr lang="en-US"/>
+        </a:p>
+      </dgm:t>
     </dgm:pt>
     <dgm:pt modelId="{7B56664F-A257-4942-8420-263918FA95AC}" type="pres">
       <dgm:prSet presAssocID="{8F6DA9AE-FFD6-493C-A4B1-E51EA77AE507}" presName="Name0" presStyleCnt="0">
@@ -5602,8 +5826,8 @@
       </dsp:nvSpPr>
       <dsp:spPr>
         <a:xfrm>
-          <a:off x="3115081" y="4969035"/>
-          <a:ext cx="198139" cy="849494"/>
+          <a:off x="3178440" y="5577785"/>
+          <a:ext cx="222413" cy="953565"/>
         </a:xfrm>
         <a:custGeom>
           <a:avLst/>
@@ -5617,13 +5841,13 @@
                 <a:pt x="0" y="0"/>
               </a:moveTo>
               <a:lnTo>
-                <a:pt x="99069" y="0"/>
+                <a:pt x="111206" y="0"/>
               </a:lnTo>
               <a:lnTo>
-                <a:pt x="99069" y="849494"/>
+                <a:pt x="111206" y="953565"/>
               </a:lnTo>
               <a:lnTo>
-                <a:pt x="198139" y="849494"/>
+                <a:pt x="222413" y="953565"/>
               </a:lnTo>
             </a:path>
           </a:pathLst>
@@ -5685,8 +5909,8 @@
         </a:p>
       </dsp:txBody>
       <dsp:txXfrm>
-        <a:off x="3192344" y="5371975"/>
-        <a:ext cx="43614" cy="43614"/>
+        <a:off x="3265168" y="6030088"/>
+        <a:ext cx="48957" cy="48957"/>
       </dsp:txXfrm>
     </dsp:sp>
     <dsp:sp modelId="{1EC8C973-28BE-4197-AE34-86D6FA8E47B8}">
@@ -5696,8 +5920,8 @@
       </dsp:nvSpPr>
       <dsp:spPr>
         <a:xfrm>
-          <a:off x="4303921" y="5395257"/>
-          <a:ext cx="198139" cy="91440"/>
+          <a:off x="4512922" y="6061823"/>
+          <a:ext cx="222413" cy="91440"/>
         </a:xfrm>
         <a:custGeom>
           <a:avLst/>
@@ -5711,7 +5935,7 @@
                 <a:pt x="0" y="45720"/>
               </a:moveTo>
               <a:lnTo>
-                <a:pt x="198139" y="45720"/>
+                <a:pt x="222413" y="45720"/>
               </a:lnTo>
             </a:path>
           </a:pathLst>
@@ -5773,8 +5997,8 @@
         </a:p>
       </dsp:txBody>
       <dsp:txXfrm>
-        <a:off x="4398037" y="5436023"/>
-        <a:ext cx="9906" cy="9906"/>
+        <a:off x="4618569" y="6101983"/>
+        <a:ext cx="11120" cy="11120"/>
       </dsp:txXfrm>
     </dsp:sp>
     <dsp:sp modelId="{9DB8F419-B902-4E7B-8120-3F9E7DE1C412}">
@@ -5784,8 +6008,8 @@
       </dsp:nvSpPr>
       <dsp:spPr>
         <a:xfrm>
-          <a:off x="3115081" y="4969035"/>
-          <a:ext cx="198139" cy="471941"/>
+          <a:off x="3178440" y="5577785"/>
+          <a:ext cx="222413" cy="529758"/>
         </a:xfrm>
         <a:custGeom>
           <a:avLst/>
@@ -5799,13 +6023,13 @@
                 <a:pt x="0" y="0"/>
               </a:moveTo>
               <a:lnTo>
-                <a:pt x="99069" y="0"/>
+                <a:pt x="111206" y="0"/>
               </a:lnTo>
               <a:lnTo>
-                <a:pt x="99069" y="471941"/>
+                <a:pt x="111206" y="529758"/>
               </a:lnTo>
               <a:lnTo>
-                <a:pt x="198139" y="471941"/>
+                <a:pt x="222413" y="529758"/>
               </a:lnTo>
             </a:path>
           </a:pathLst>
@@ -5867,8 +6091,8 @@
         </a:p>
       </dsp:txBody>
       <dsp:txXfrm>
-        <a:off x="3201355" y="5192210"/>
-        <a:ext cx="25592" cy="25592"/>
+        <a:off x="3275283" y="5828300"/>
+        <a:ext cx="28727" cy="28727"/>
       </dsp:txXfrm>
     </dsp:sp>
     <dsp:sp modelId="{E0E4380A-CF3B-473C-A61E-49876FD7050E}">
@@ -5878,8 +6102,8 @@
       </dsp:nvSpPr>
       <dsp:spPr>
         <a:xfrm>
-          <a:off x="4303921" y="5017704"/>
-          <a:ext cx="198139" cy="91440"/>
+          <a:off x="4512922" y="5638016"/>
+          <a:ext cx="222413" cy="91440"/>
         </a:xfrm>
         <a:custGeom>
           <a:avLst/>
@@ -5893,7 +6117,7 @@
                 <a:pt x="0" y="45720"/>
               </a:moveTo>
               <a:lnTo>
-                <a:pt x="198139" y="45720"/>
+                <a:pt x="222413" y="45720"/>
               </a:lnTo>
             </a:path>
           </a:pathLst>
@@ -5955,8 +6179,8 @@
         </a:p>
       </dsp:txBody>
       <dsp:txXfrm>
-        <a:off x="4398037" y="5058470"/>
-        <a:ext cx="9906" cy="9906"/>
+        <a:off x="4618569" y="5678176"/>
+        <a:ext cx="11120" cy="11120"/>
       </dsp:txXfrm>
     </dsp:sp>
     <dsp:sp modelId="{CF17ED33-131E-4AD8-816E-90B2855A4E63}">
@@ -5966,8 +6190,8 @@
       </dsp:nvSpPr>
       <dsp:spPr>
         <a:xfrm>
-          <a:off x="3115081" y="4969035"/>
-          <a:ext cx="198139" cy="94388"/>
+          <a:off x="3178440" y="5577785"/>
+          <a:ext cx="222413" cy="105951"/>
         </a:xfrm>
         <a:custGeom>
           <a:avLst/>
@@ -5981,13 +6205,13 @@
                 <a:pt x="0" y="0"/>
               </a:moveTo>
               <a:lnTo>
-                <a:pt x="99069" y="0"/>
+                <a:pt x="111206" y="0"/>
               </a:lnTo>
               <a:lnTo>
-                <a:pt x="99069" y="94388"/>
+                <a:pt x="111206" y="105951"/>
               </a:lnTo>
               <a:lnTo>
-                <a:pt x="198139" y="94388"/>
+                <a:pt x="222413" y="105951"/>
               </a:lnTo>
             </a:path>
           </a:pathLst>
@@ -6049,8 +6273,8 @@
         </a:p>
       </dsp:txBody>
       <dsp:txXfrm>
-        <a:off x="3208664" y="5010743"/>
-        <a:ext cx="10973" cy="10973"/>
+        <a:off x="3283488" y="5624601"/>
+        <a:ext cx="12318" cy="12318"/>
       </dsp:txXfrm>
     </dsp:sp>
     <dsp:sp modelId="{ABA858ED-777C-4F40-9138-337227C60838}">
@@ -6060,8 +6284,8 @@
       </dsp:nvSpPr>
       <dsp:spPr>
         <a:xfrm>
-          <a:off x="4303921" y="4119541"/>
-          <a:ext cx="198139" cy="566329"/>
+          <a:off x="4512922" y="4624220"/>
+          <a:ext cx="222413" cy="635710"/>
         </a:xfrm>
         <a:custGeom>
           <a:avLst/>
@@ -6075,13 +6299,13 @@
                 <a:pt x="0" y="0"/>
               </a:moveTo>
               <a:lnTo>
-                <a:pt x="99069" y="0"/>
+                <a:pt x="111206" y="0"/>
               </a:lnTo>
               <a:lnTo>
-                <a:pt x="99069" y="566329"/>
+                <a:pt x="111206" y="635710"/>
               </a:lnTo>
               <a:lnTo>
-                <a:pt x="198139" y="566329"/>
+                <a:pt x="222413" y="635710"/>
               </a:lnTo>
             </a:path>
           </a:pathLst>
@@ -6143,8 +6367,8 @@
         </a:p>
       </dsp:txBody>
       <dsp:txXfrm>
-        <a:off x="4387991" y="4387706"/>
-        <a:ext cx="29999" cy="29999"/>
+        <a:off x="4607292" y="4925237"/>
+        <a:ext cx="33674" cy="33674"/>
       </dsp:txXfrm>
     </dsp:sp>
     <dsp:sp modelId="{ED857E9C-650F-420B-B3E0-EE2904DEBA15}">
@@ -6154,8 +6378,8 @@
       </dsp:nvSpPr>
       <dsp:spPr>
         <a:xfrm>
-          <a:off x="4303921" y="4119541"/>
-          <a:ext cx="198139" cy="188776"/>
+          <a:off x="4512922" y="4624220"/>
+          <a:ext cx="222413" cy="211903"/>
         </a:xfrm>
         <a:custGeom>
           <a:avLst/>
@@ -6169,13 +6393,13 @@
                 <a:pt x="0" y="0"/>
               </a:moveTo>
               <a:lnTo>
-                <a:pt x="99069" y="0"/>
+                <a:pt x="111206" y="0"/>
               </a:lnTo>
               <a:lnTo>
-                <a:pt x="99069" y="188776"/>
+                <a:pt x="111206" y="211903"/>
               </a:lnTo>
               <a:lnTo>
-                <a:pt x="198139" y="188776"/>
+                <a:pt x="222413" y="211903"/>
               </a:lnTo>
             </a:path>
           </a:pathLst>
@@ -6237,8 +6461,8 @@
         </a:p>
       </dsp:txBody>
       <dsp:txXfrm>
-        <a:off x="4396149" y="4207087"/>
-        <a:ext cx="13683" cy="13683"/>
+        <a:off x="4616449" y="4722491"/>
+        <a:ext cx="15359" cy="15359"/>
       </dsp:txXfrm>
     </dsp:sp>
     <dsp:sp modelId="{FB45E41D-EA9C-4BAA-82D6-EF52FB331151}">
@@ -6248,8 +6472,8 @@
       </dsp:nvSpPr>
       <dsp:spPr>
         <a:xfrm>
-          <a:off x="4303921" y="3930764"/>
-          <a:ext cx="198139" cy="188776"/>
+          <a:off x="4512922" y="4412316"/>
+          <a:ext cx="222413" cy="211903"/>
         </a:xfrm>
         <a:custGeom>
           <a:avLst/>
@@ -6260,16 +6484,16 @@
           <a:pathLst>
             <a:path>
               <a:moveTo>
-                <a:pt x="0" y="188776"/>
+                <a:pt x="0" y="211903"/>
               </a:moveTo>
               <a:lnTo>
-                <a:pt x="99069" y="188776"/>
+                <a:pt x="111206" y="211903"/>
               </a:lnTo>
               <a:lnTo>
-                <a:pt x="99069" y="0"/>
+                <a:pt x="111206" y="0"/>
               </a:lnTo>
               <a:lnTo>
-                <a:pt x="198139" y="0"/>
+                <a:pt x="222413" y="0"/>
               </a:lnTo>
             </a:path>
           </a:pathLst>
@@ -6331,8 +6555,8 @@
         </a:p>
       </dsp:txBody>
       <dsp:txXfrm>
-        <a:off x="4396149" y="4018311"/>
-        <a:ext cx="13683" cy="13683"/>
+        <a:off x="4616449" y="4510588"/>
+        <a:ext cx="15359" cy="15359"/>
       </dsp:txXfrm>
     </dsp:sp>
     <dsp:sp modelId="{A389AE50-B679-4D07-AC76-2104207F3843}">
@@ -6342,8 +6566,8 @@
       </dsp:nvSpPr>
       <dsp:spPr>
         <a:xfrm>
-          <a:off x="4303921" y="3553211"/>
-          <a:ext cx="198139" cy="566329"/>
+          <a:off x="4512922" y="3988510"/>
+          <a:ext cx="222413" cy="635710"/>
         </a:xfrm>
         <a:custGeom>
           <a:avLst/>
@@ -6354,16 +6578,16 @@
           <a:pathLst>
             <a:path>
               <a:moveTo>
-                <a:pt x="0" y="566329"/>
+                <a:pt x="0" y="635710"/>
               </a:moveTo>
               <a:lnTo>
-                <a:pt x="99069" y="566329"/>
+                <a:pt x="111206" y="635710"/>
               </a:lnTo>
               <a:lnTo>
-                <a:pt x="99069" y="0"/>
+                <a:pt x="111206" y="0"/>
               </a:lnTo>
               <a:lnTo>
-                <a:pt x="198139" y="0"/>
+                <a:pt x="222413" y="0"/>
               </a:lnTo>
             </a:path>
           </a:pathLst>
@@ -6425,8 +6649,8 @@
         </a:p>
       </dsp:txBody>
       <dsp:txXfrm>
-        <a:off x="4387991" y="3821376"/>
-        <a:ext cx="29999" cy="29999"/>
+        <a:off x="4607292" y="4289527"/>
+        <a:ext cx="33674" cy="33674"/>
       </dsp:txXfrm>
     </dsp:sp>
     <dsp:sp modelId="{F833FFD2-3F83-47F8-A810-5B05BFC1F540}">
@@ -6436,8 +6660,8 @@
       </dsp:nvSpPr>
       <dsp:spPr>
         <a:xfrm>
-          <a:off x="3115081" y="4119541"/>
-          <a:ext cx="198139" cy="849494"/>
+          <a:off x="3178440" y="4624220"/>
+          <a:ext cx="222413" cy="953565"/>
         </a:xfrm>
         <a:custGeom>
           <a:avLst/>
@@ -6448,16 +6672,16 @@
           <a:pathLst>
             <a:path>
               <a:moveTo>
-                <a:pt x="0" y="849494"/>
+                <a:pt x="0" y="953565"/>
               </a:moveTo>
               <a:lnTo>
-                <a:pt x="99069" y="849494"/>
+                <a:pt x="111206" y="953565"/>
               </a:lnTo>
               <a:lnTo>
-                <a:pt x="99069" y="0"/>
+                <a:pt x="111206" y="0"/>
               </a:lnTo>
               <a:lnTo>
-                <a:pt x="198139" y="0"/>
+                <a:pt x="222413" y="0"/>
               </a:lnTo>
             </a:path>
           </a:pathLst>
@@ -6519,8 +6743,8 @@
         </a:p>
       </dsp:txBody>
       <dsp:txXfrm>
-        <a:off x="3192344" y="4522481"/>
-        <a:ext cx="43614" cy="43614"/>
+        <a:off x="3265168" y="5076523"/>
+        <a:ext cx="48957" cy="48957"/>
       </dsp:txXfrm>
     </dsp:sp>
     <dsp:sp modelId="{85D65F1B-8971-4CBE-850F-D0D430E82326}">
@@ -6530,8 +6754,8 @@
       </dsp:nvSpPr>
       <dsp:spPr>
         <a:xfrm>
-          <a:off x="1926242" y="2892493"/>
-          <a:ext cx="198139" cy="2076542"/>
+          <a:off x="1843957" y="3246848"/>
+          <a:ext cx="222413" cy="2330936"/>
         </a:xfrm>
         <a:custGeom>
           <a:avLst/>
@@ -6545,13 +6769,13 @@
                 <a:pt x="0" y="0"/>
               </a:moveTo>
               <a:lnTo>
-                <a:pt x="99069" y="0"/>
+                <a:pt x="111206" y="0"/>
               </a:lnTo>
               <a:lnTo>
-                <a:pt x="99069" y="2076542"/>
+                <a:pt x="111206" y="2330936"/>
               </a:lnTo>
               <a:lnTo>
-                <a:pt x="198139" y="2076542"/>
+                <a:pt x="222413" y="2330936"/>
               </a:lnTo>
             </a:path>
           </a:pathLst>
@@ -6598,7 +6822,7 @@
         </a:bodyPr>
         <a:lstStyle/>
         <a:p>
-          <a:pPr lvl="0" algn="ctr" defTabSz="311150">
+          <a:pPr lvl="0" algn="ctr" defTabSz="355600">
             <a:lnSpc>
               <a:spcPct val="90000"/>
             </a:lnSpc>
@@ -6609,12 +6833,12 @@
               <a:spcPct val="35000"/>
             </a:spcAft>
           </a:pPr>
-          <a:endParaRPr lang="en-US" sz="700" kern="1200"/>
+          <a:endParaRPr lang="en-US" sz="800" kern="1200"/>
         </a:p>
       </dsp:txBody>
       <dsp:txXfrm>
-        <a:off x="1973162" y="3878615"/>
-        <a:ext cx="104298" cy="104298"/>
+        <a:off x="1896626" y="4353778"/>
+        <a:ext cx="117076" cy="117076"/>
       </dsp:txXfrm>
     </dsp:sp>
     <dsp:sp modelId="{F5AFB1C6-6F6F-47E2-B0CA-35DEB0A165AE}">
@@ -6624,8 +6848,8 @@
       </dsp:nvSpPr>
       <dsp:spPr>
         <a:xfrm>
-          <a:off x="3115081" y="2514940"/>
-          <a:ext cx="198139" cy="660718"/>
+          <a:off x="3178440" y="2823041"/>
+          <a:ext cx="222413" cy="741661"/>
         </a:xfrm>
         <a:custGeom>
           <a:avLst/>
@@ -6639,13 +6863,13 @@
                 <a:pt x="0" y="0"/>
               </a:moveTo>
               <a:lnTo>
-                <a:pt x="99069" y="0"/>
+                <a:pt x="111206" y="0"/>
               </a:lnTo>
               <a:lnTo>
-                <a:pt x="99069" y="660718"/>
+                <a:pt x="111206" y="741661"/>
               </a:lnTo>
               <a:lnTo>
-                <a:pt x="198139" y="660718"/>
+                <a:pt x="222413" y="741661"/>
               </a:lnTo>
             </a:path>
           </a:pathLst>
@@ -6707,8 +6931,8 @@
         </a:p>
       </dsp:txBody>
       <dsp:txXfrm>
-        <a:off x="3196907" y="2828054"/>
-        <a:ext cx="34489" cy="34489"/>
+        <a:off x="3270289" y="3174515"/>
+        <a:ext cx="38714" cy="38714"/>
       </dsp:txXfrm>
     </dsp:sp>
     <dsp:sp modelId="{051F59BB-762C-4FCF-8312-61777A2892AD}">
@@ -6718,8 +6942,8 @@
       </dsp:nvSpPr>
       <dsp:spPr>
         <a:xfrm>
-          <a:off x="5492760" y="2752384"/>
-          <a:ext cx="198139" cy="91440"/>
+          <a:off x="5847405" y="3095176"/>
+          <a:ext cx="222413" cy="91440"/>
         </a:xfrm>
         <a:custGeom>
           <a:avLst/>
@@ -6733,7 +6957,7 @@
                 <a:pt x="0" y="45720"/>
               </a:moveTo>
               <a:lnTo>
-                <a:pt x="198139" y="45720"/>
+                <a:pt x="222413" y="45720"/>
               </a:lnTo>
             </a:path>
           </a:pathLst>
@@ -6795,8 +7019,8 @@
         </a:p>
       </dsp:txBody>
       <dsp:txXfrm>
-        <a:off x="5586877" y="2793151"/>
-        <a:ext cx="9906" cy="9906"/>
+        <a:off x="5953051" y="3135336"/>
+        <a:ext cx="11120" cy="11120"/>
       </dsp:txXfrm>
     </dsp:sp>
     <dsp:sp modelId="{A4F5F54F-7551-45C0-88D3-A5C2569E36E1}">
@@ -6806,8 +7030,8 @@
       </dsp:nvSpPr>
       <dsp:spPr>
         <a:xfrm>
-          <a:off x="4303921" y="2752384"/>
-          <a:ext cx="198139" cy="91440"/>
+          <a:off x="4512922" y="3095176"/>
+          <a:ext cx="222413" cy="91440"/>
         </a:xfrm>
         <a:custGeom>
           <a:avLst/>
@@ -6821,7 +7045,7 @@
                 <a:pt x="0" y="45720"/>
               </a:moveTo>
               <a:lnTo>
-                <a:pt x="198139" y="45720"/>
+                <a:pt x="222413" y="45720"/>
               </a:lnTo>
             </a:path>
           </a:pathLst>
@@ -6883,8 +7107,8 @@
         </a:p>
       </dsp:txBody>
       <dsp:txXfrm>
-        <a:off x="4398037" y="2793151"/>
-        <a:ext cx="9906" cy="9906"/>
+        <a:off x="4618569" y="3135336"/>
+        <a:ext cx="11120" cy="11120"/>
       </dsp:txXfrm>
     </dsp:sp>
     <dsp:sp modelId="{B81DDEA0-CF67-4A01-9E1C-FE1429028838}">
@@ -6894,8 +7118,8 @@
       </dsp:nvSpPr>
       <dsp:spPr>
         <a:xfrm>
-          <a:off x="3115081" y="2514940"/>
-          <a:ext cx="198139" cy="283164"/>
+          <a:off x="3178440" y="2823041"/>
+          <a:ext cx="222413" cy="317855"/>
         </a:xfrm>
         <a:custGeom>
           <a:avLst/>
@@ -6909,13 +7133,13 @@
                 <a:pt x="0" y="0"/>
               </a:moveTo>
               <a:lnTo>
-                <a:pt x="99069" y="0"/>
+                <a:pt x="111206" y="0"/>
               </a:lnTo>
               <a:lnTo>
-                <a:pt x="99069" y="283164"/>
+                <a:pt x="111206" y="317855"/>
               </a:lnTo>
               <a:lnTo>
-                <a:pt x="198139" y="283164"/>
+                <a:pt x="222413" y="317855"/>
               </a:lnTo>
             </a:path>
           </a:pathLst>
@@ -6977,8 +7201,8 @@
         </a:p>
       </dsp:txBody>
       <dsp:txXfrm>
-        <a:off x="3205511" y="2647882"/>
-        <a:ext cx="17280" cy="17280"/>
+        <a:off x="3279948" y="2972270"/>
+        <a:ext cx="19397" cy="19397"/>
       </dsp:txXfrm>
     </dsp:sp>
     <dsp:sp modelId="{AAE2A25A-B766-4F53-9C28-853EA6EE2B2C}">
@@ -6988,8 +7212,8 @@
       </dsp:nvSpPr>
       <dsp:spPr>
         <a:xfrm>
-          <a:off x="4303921" y="2374831"/>
-          <a:ext cx="198139" cy="91440"/>
+          <a:off x="4512922" y="2671369"/>
+          <a:ext cx="222413" cy="91440"/>
         </a:xfrm>
         <a:custGeom>
           <a:avLst/>
@@ -7003,7 +7227,7 @@
                 <a:pt x="0" y="45720"/>
               </a:moveTo>
               <a:lnTo>
-                <a:pt x="198139" y="45720"/>
+                <a:pt x="222413" y="45720"/>
               </a:lnTo>
             </a:path>
           </a:pathLst>
@@ -7065,8 +7289,8 @@
         </a:p>
       </dsp:txBody>
       <dsp:txXfrm>
-        <a:off x="4398037" y="2415598"/>
-        <a:ext cx="9906" cy="9906"/>
+        <a:off x="4618569" y="2711529"/>
+        <a:ext cx="11120" cy="11120"/>
       </dsp:txXfrm>
     </dsp:sp>
     <dsp:sp modelId="{F77B1734-98CA-47FF-936A-AD1A65F8DB24}">
@@ -7076,8 +7300,8 @@
       </dsp:nvSpPr>
       <dsp:spPr>
         <a:xfrm>
-          <a:off x="3115081" y="2420551"/>
-          <a:ext cx="198139" cy="94388"/>
+          <a:off x="3178440" y="2717089"/>
+          <a:ext cx="222413" cy="105951"/>
         </a:xfrm>
         <a:custGeom>
           <a:avLst/>
@@ -7088,16 +7312,16 @@
           <a:pathLst>
             <a:path>
               <a:moveTo>
-                <a:pt x="0" y="94388"/>
+                <a:pt x="0" y="105951"/>
               </a:moveTo>
               <a:lnTo>
-                <a:pt x="99069" y="94388"/>
+                <a:pt x="111206" y="105951"/>
               </a:lnTo>
               <a:lnTo>
-                <a:pt x="99069" y="0"/>
+                <a:pt x="111206" y="0"/>
               </a:lnTo>
               <a:lnTo>
-                <a:pt x="198139" y="0"/>
+                <a:pt x="222413" y="0"/>
               </a:lnTo>
             </a:path>
           </a:pathLst>
@@ -7159,8 +7383,8 @@
         </a:p>
       </dsp:txBody>
       <dsp:txXfrm>
-        <a:off x="3208664" y="2462259"/>
-        <a:ext cx="10973" cy="10973"/>
+        <a:off x="3283488" y="2763906"/>
+        <a:ext cx="12318" cy="12318"/>
       </dsp:txXfrm>
     </dsp:sp>
     <dsp:sp modelId="{5E447D0B-5F28-4D37-A2E4-22FB11549213}">
@@ -7170,8 +7394,8 @@
       </dsp:nvSpPr>
       <dsp:spPr>
         <a:xfrm>
-          <a:off x="5492760" y="1997278"/>
-          <a:ext cx="198139" cy="91440"/>
+          <a:off x="5847405" y="2247563"/>
+          <a:ext cx="222413" cy="91440"/>
         </a:xfrm>
         <a:custGeom>
           <a:avLst/>
@@ -7185,7 +7409,7 @@
                 <a:pt x="0" y="45720"/>
               </a:moveTo>
               <a:lnTo>
-                <a:pt x="198139" y="45720"/>
+                <a:pt x="222413" y="45720"/>
               </a:lnTo>
             </a:path>
           </a:pathLst>
@@ -7247,8 +7471,8 @@
         </a:p>
       </dsp:txBody>
       <dsp:txXfrm>
-        <a:off x="5586877" y="2038045"/>
-        <a:ext cx="9906" cy="9906"/>
+        <a:off x="5953051" y="2287722"/>
+        <a:ext cx="11120" cy="11120"/>
       </dsp:txXfrm>
     </dsp:sp>
     <dsp:sp modelId="{AD3345DD-D11B-4418-A569-9DEA2AC6E089}">
@@ -7258,8 +7482,8 @@
       </dsp:nvSpPr>
       <dsp:spPr>
         <a:xfrm>
-          <a:off x="4303921" y="1854221"/>
-          <a:ext cx="198139" cy="188776"/>
+          <a:off x="4512922" y="2081379"/>
+          <a:ext cx="222413" cy="211903"/>
         </a:xfrm>
         <a:custGeom>
           <a:avLst/>
@@ -7273,13 +7497,13 @@
                 <a:pt x="0" y="0"/>
               </a:moveTo>
               <a:lnTo>
-                <a:pt x="99069" y="0"/>
+                <a:pt x="111206" y="0"/>
               </a:lnTo>
               <a:lnTo>
-                <a:pt x="99069" y="188776"/>
+                <a:pt x="111206" y="211903"/>
               </a:lnTo>
               <a:lnTo>
-                <a:pt x="198139" y="188776"/>
+                <a:pt x="222413" y="211903"/>
               </a:lnTo>
             </a:path>
           </a:pathLst>
@@ -7341,8 +7565,8 @@
         </a:p>
       </dsp:txBody>
       <dsp:txXfrm>
-        <a:off x="4396149" y="1941768"/>
-        <a:ext cx="13683" cy="13683"/>
+        <a:off x="4616449" y="2179651"/>
+        <a:ext cx="15359" cy="15359"/>
       </dsp:txXfrm>
     </dsp:sp>
     <dsp:sp modelId="{D2E82AEF-647D-4600-9A86-75354DD8DDC1}">
@@ -7352,8 +7576,8 @@
       </dsp:nvSpPr>
       <dsp:spPr>
         <a:xfrm>
-          <a:off x="5492760" y="1619725"/>
-          <a:ext cx="198139" cy="91440"/>
+          <a:off x="5847405" y="1823756"/>
+          <a:ext cx="222413" cy="91440"/>
         </a:xfrm>
         <a:custGeom>
           <a:avLst/>
@@ -7367,7 +7591,7 @@
                 <a:pt x="0" y="45720"/>
               </a:moveTo>
               <a:lnTo>
-                <a:pt x="198139" y="45720"/>
+                <a:pt x="222413" y="45720"/>
               </a:lnTo>
             </a:path>
           </a:pathLst>
@@ -7429,8 +7653,8 @@
         </a:p>
       </dsp:txBody>
       <dsp:txXfrm>
-        <a:off x="5586877" y="1660491"/>
-        <a:ext cx="9906" cy="9906"/>
+        <a:off x="5953051" y="1863916"/>
+        <a:ext cx="11120" cy="11120"/>
       </dsp:txXfrm>
     </dsp:sp>
     <dsp:sp modelId="{B6457E74-88DA-441C-BBEE-BE71C8F35643}">
@@ -7440,8 +7664,8 @@
       </dsp:nvSpPr>
       <dsp:spPr>
         <a:xfrm>
-          <a:off x="4303921" y="1665445"/>
-          <a:ext cx="198139" cy="188776"/>
+          <a:off x="4512922" y="1869476"/>
+          <a:ext cx="222413" cy="211903"/>
         </a:xfrm>
         <a:custGeom>
           <a:avLst/>
@@ -7452,16 +7676,16 @@
           <a:pathLst>
             <a:path>
               <a:moveTo>
-                <a:pt x="0" y="188776"/>
+                <a:pt x="0" y="211903"/>
               </a:moveTo>
               <a:lnTo>
-                <a:pt x="99069" y="188776"/>
+                <a:pt x="111206" y="211903"/>
               </a:lnTo>
               <a:lnTo>
-                <a:pt x="99069" y="0"/>
+                <a:pt x="111206" y="0"/>
               </a:lnTo>
               <a:lnTo>
-                <a:pt x="198139" y="0"/>
+                <a:pt x="222413" y="0"/>
               </a:lnTo>
             </a:path>
           </a:pathLst>
@@ -7523,8 +7747,8 @@
         </a:p>
       </dsp:txBody>
       <dsp:txXfrm>
-        <a:off x="4396149" y="1752991"/>
-        <a:ext cx="13683" cy="13683"/>
+        <a:off x="4616449" y="1967748"/>
+        <a:ext cx="15359" cy="15359"/>
       </dsp:txXfrm>
     </dsp:sp>
     <dsp:sp modelId="{F878AA9B-8FEA-4181-8A9A-FA8098D4121D}">
@@ -7534,8 +7758,8 @@
       </dsp:nvSpPr>
       <dsp:spPr>
         <a:xfrm>
-          <a:off x="3115081" y="1854221"/>
-          <a:ext cx="198139" cy="660718"/>
+          <a:off x="3178440" y="2081379"/>
+          <a:ext cx="222413" cy="741661"/>
         </a:xfrm>
         <a:custGeom>
           <a:avLst/>
@@ -7546,16 +7770,16 @@
           <a:pathLst>
             <a:path>
               <a:moveTo>
-                <a:pt x="0" y="660718"/>
+                <a:pt x="0" y="741661"/>
               </a:moveTo>
               <a:lnTo>
-                <a:pt x="99069" y="660718"/>
+                <a:pt x="111206" y="741661"/>
               </a:lnTo>
               <a:lnTo>
-                <a:pt x="99069" y="0"/>
+                <a:pt x="111206" y="0"/>
               </a:lnTo>
               <a:lnTo>
-                <a:pt x="198139" y="0"/>
+                <a:pt x="222413" y="0"/>
               </a:lnTo>
             </a:path>
           </a:pathLst>
@@ -7617,8 +7841,8 @@
         </a:p>
       </dsp:txBody>
       <dsp:txXfrm>
-        <a:off x="3196907" y="2167336"/>
-        <a:ext cx="34489" cy="34489"/>
+        <a:off x="3270289" y="2432853"/>
+        <a:ext cx="38714" cy="38714"/>
       </dsp:txXfrm>
     </dsp:sp>
     <dsp:sp modelId="{83CCA1EE-16DE-4778-AF31-A00A24250EA6}">
@@ -7628,8 +7852,8 @@
       </dsp:nvSpPr>
       <dsp:spPr>
         <a:xfrm>
-          <a:off x="1926242" y="2514940"/>
-          <a:ext cx="198139" cy="377553"/>
+          <a:off x="1843957" y="2823041"/>
+          <a:ext cx="222413" cy="423806"/>
         </a:xfrm>
         <a:custGeom>
           <a:avLst/>
@@ -7640,16 +7864,16 @@
           <a:pathLst>
             <a:path>
               <a:moveTo>
-                <a:pt x="0" y="377553"/>
+                <a:pt x="0" y="423806"/>
               </a:moveTo>
               <a:lnTo>
-                <a:pt x="99069" y="377553"/>
+                <a:pt x="111206" y="423806"/>
               </a:lnTo>
               <a:lnTo>
-                <a:pt x="99069" y="0"/>
+                <a:pt x="111206" y="0"/>
               </a:lnTo>
               <a:lnTo>
-                <a:pt x="198139" y="0"/>
+                <a:pt x="222413" y="0"/>
               </a:lnTo>
             </a:path>
           </a:pathLst>
@@ -7711,8 +7935,8 @@
         </a:p>
       </dsp:txBody>
       <dsp:txXfrm>
-        <a:off x="2014652" y="2693056"/>
-        <a:ext cx="21319" cy="21319"/>
+        <a:off x="1943198" y="3022979"/>
+        <a:ext cx="23931" cy="23931"/>
       </dsp:txXfrm>
     </dsp:sp>
     <dsp:sp modelId="{D1E40CE0-438F-48C0-8C66-A8546E5CB480}">
@@ -7722,8 +7946,8 @@
       </dsp:nvSpPr>
       <dsp:spPr>
         <a:xfrm>
-          <a:off x="5492760" y="1242172"/>
-          <a:ext cx="198139" cy="91440"/>
+          <a:off x="5847405" y="1399949"/>
+          <a:ext cx="222413" cy="91440"/>
         </a:xfrm>
         <a:custGeom>
           <a:avLst/>
@@ -7737,7 +7961,7 @@
                 <a:pt x="0" y="45720"/>
               </a:moveTo>
               <a:lnTo>
-                <a:pt x="198139" y="45720"/>
+                <a:pt x="222413" y="45720"/>
               </a:lnTo>
             </a:path>
           </a:pathLst>
@@ -7799,8 +8023,8 @@
         </a:p>
       </dsp:txBody>
       <dsp:txXfrm>
-        <a:off x="5586877" y="1282938"/>
-        <a:ext cx="9906" cy="9906"/>
+        <a:off x="5953051" y="1440109"/>
+        <a:ext cx="11120" cy="11120"/>
       </dsp:txXfrm>
     </dsp:sp>
     <dsp:sp modelId="{CF39F6EA-C307-46A3-977A-0F51E12895DA}">
@@ -7810,8 +8034,8 @@
       </dsp:nvSpPr>
       <dsp:spPr>
         <a:xfrm>
-          <a:off x="4303921" y="1242172"/>
-          <a:ext cx="198139" cy="91440"/>
+          <a:off x="4512922" y="1399949"/>
+          <a:ext cx="222413" cy="91440"/>
         </a:xfrm>
         <a:custGeom>
           <a:avLst/>
@@ -7825,7 +8049,7 @@
                 <a:pt x="0" y="45720"/>
               </a:moveTo>
               <a:lnTo>
-                <a:pt x="198139" y="45720"/>
+                <a:pt x="222413" y="45720"/>
               </a:lnTo>
             </a:path>
           </a:pathLst>
@@ -7887,8 +8111,8 @@
         </a:p>
       </dsp:txBody>
       <dsp:txXfrm>
-        <a:off x="4398037" y="1282938"/>
-        <a:ext cx="9906" cy="9906"/>
+        <a:off x="4618569" y="1440109"/>
+        <a:ext cx="11120" cy="11120"/>
       </dsp:txXfrm>
     </dsp:sp>
     <dsp:sp modelId="{B46CE36F-5CF2-4B38-8F32-AF51B53C22B4}">
@@ -7898,8 +8122,8 @@
       </dsp:nvSpPr>
       <dsp:spPr>
         <a:xfrm>
-          <a:off x="3115081" y="815950"/>
-          <a:ext cx="198139" cy="471941"/>
+          <a:off x="3178440" y="915911"/>
+          <a:ext cx="222413" cy="529758"/>
         </a:xfrm>
         <a:custGeom>
           <a:avLst/>
@@ -7913,13 +8137,13 @@
                 <a:pt x="0" y="0"/>
               </a:moveTo>
               <a:lnTo>
-                <a:pt x="99069" y="0"/>
+                <a:pt x="111206" y="0"/>
               </a:lnTo>
               <a:lnTo>
-                <a:pt x="99069" y="471941"/>
+                <a:pt x="111206" y="529758"/>
               </a:lnTo>
               <a:lnTo>
-                <a:pt x="198139" y="471941"/>
+                <a:pt x="222413" y="529758"/>
               </a:lnTo>
             </a:path>
           </a:pathLst>
@@ -7981,8 +8205,8 @@
         </a:p>
       </dsp:txBody>
       <dsp:txXfrm>
-        <a:off x="3201355" y="1039125"/>
-        <a:ext cx="25592" cy="25592"/>
+        <a:off x="3275283" y="1166426"/>
+        <a:ext cx="28727" cy="28727"/>
       </dsp:txXfrm>
     </dsp:sp>
     <dsp:sp modelId="{6DE0ED3F-F615-41E4-B5EB-21FF74AED0C6}">
@@ -7992,8 +8216,8 @@
       </dsp:nvSpPr>
       <dsp:spPr>
         <a:xfrm>
-          <a:off x="4303921" y="864618"/>
-          <a:ext cx="198139" cy="91440"/>
+          <a:off x="4512922" y="976143"/>
+          <a:ext cx="222413" cy="91440"/>
         </a:xfrm>
         <a:custGeom>
           <a:avLst/>
@@ -8007,7 +8231,7 @@
                 <a:pt x="0" y="45720"/>
               </a:moveTo>
               <a:lnTo>
-                <a:pt x="198139" y="45720"/>
+                <a:pt x="222413" y="45720"/>
               </a:lnTo>
             </a:path>
           </a:pathLst>
@@ -8069,8 +8293,8 @@
         </a:p>
       </dsp:txBody>
       <dsp:txXfrm>
-        <a:off x="4398037" y="905385"/>
-        <a:ext cx="9906" cy="9906"/>
+        <a:off x="4618569" y="1016302"/>
+        <a:ext cx="11120" cy="11120"/>
       </dsp:txXfrm>
     </dsp:sp>
     <dsp:sp modelId="{525D7358-A4E3-4C43-AFE1-EE820D827D6C}">
@@ -8080,8 +8304,8 @@
       </dsp:nvSpPr>
       <dsp:spPr>
         <a:xfrm>
-          <a:off x="3115081" y="815950"/>
-          <a:ext cx="198139" cy="94388"/>
+          <a:off x="3178440" y="915911"/>
+          <a:ext cx="222413" cy="105951"/>
         </a:xfrm>
         <a:custGeom>
           <a:avLst/>
@@ -8095,13 +8319,13 @@
                 <a:pt x="0" y="0"/>
               </a:moveTo>
               <a:lnTo>
-                <a:pt x="99069" y="0"/>
+                <a:pt x="111206" y="0"/>
               </a:lnTo>
               <a:lnTo>
-                <a:pt x="99069" y="94388"/>
+                <a:pt x="111206" y="105951"/>
               </a:lnTo>
               <a:lnTo>
-                <a:pt x="198139" y="94388"/>
+                <a:pt x="222413" y="105951"/>
               </a:lnTo>
             </a:path>
           </a:pathLst>
@@ -8163,8 +8387,8 @@
         </a:p>
       </dsp:txBody>
       <dsp:txXfrm>
-        <a:off x="3208664" y="857657"/>
-        <a:ext cx="10973" cy="10973"/>
+        <a:off x="3283488" y="962728"/>
+        <a:ext cx="12318" cy="12318"/>
       </dsp:txXfrm>
     </dsp:sp>
     <dsp:sp modelId="{C9D01813-FD06-4FF6-98F1-A56529C8916D}">
@@ -8174,8 +8398,8 @@
       </dsp:nvSpPr>
       <dsp:spPr>
         <a:xfrm>
-          <a:off x="5492760" y="487065"/>
-          <a:ext cx="198139" cy="91440"/>
+          <a:off x="5847405" y="552336"/>
+          <a:ext cx="222413" cy="91440"/>
         </a:xfrm>
         <a:custGeom>
           <a:avLst/>
@@ -8189,7 +8413,7 @@
                 <a:pt x="0" y="45720"/>
               </a:moveTo>
               <a:lnTo>
-                <a:pt x="198139" y="45720"/>
+                <a:pt x="222413" y="45720"/>
               </a:lnTo>
             </a:path>
           </a:pathLst>
@@ -8251,8 +8475,8 @@
         </a:p>
       </dsp:txBody>
       <dsp:txXfrm>
-        <a:off x="5586877" y="527832"/>
-        <a:ext cx="9906" cy="9906"/>
+        <a:off x="5953051" y="592496"/>
+        <a:ext cx="11120" cy="11120"/>
       </dsp:txXfrm>
     </dsp:sp>
     <dsp:sp modelId="{3EFE5F72-FD40-4941-A5FC-0486E0E329CE}">
@@ -8262,8 +8486,8 @@
       </dsp:nvSpPr>
       <dsp:spPr>
         <a:xfrm>
-          <a:off x="4303921" y="344009"/>
-          <a:ext cx="198139" cy="188776"/>
+          <a:off x="4512922" y="386153"/>
+          <a:ext cx="222413" cy="211903"/>
         </a:xfrm>
         <a:custGeom>
           <a:avLst/>
@@ -8277,13 +8501,13 @@
                 <a:pt x="0" y="0"/>
               </a:moveTo>
               <a:lnTo>
-                <a:pt x="99069" y="0"/>
+                <a:pt x="111206" y="0"/>
               </a:lnTo>
               <a:lnTo>
-                <a:pt x="99069" y="188776"/>
+                <a:pt x="111206" y="211903"/>
               </a:lnTo>
               <a:lnTo>
-                <a:pt x="198139" y="188776"/>
+                <a:pt x="222413" y="211903"/>
               </a:lnTo>
             </a:path>
           </a:pathLst>
@@ -8345,8 +8569,8 @@
         </a:p>
       </dsp:txBody>
       <dsp:txXfrm>
-        <a:off x="4396149" y="431555"/>
-        <a:ext cx="13683" cy="13683"/>
+        <a:off x="4616449" y="484424"/>
+        <a:ext cx="15359" cy="15359"/>
       </dsp:txXfrm>
     </dsp:sp>
     <dsp:sp modelId="{8A2730F8-7019-4CBF-B555-673F5F470C0A}">
@@ -8356,8 +8580,8 @@
       </dsp:nvSpPr>
       <dsp:spPr>
         <a:xfrm>
-          <a:off x="5492760" y="109512"/>
-          <a:ext cx="198139" cy="91440"/>
+          <a:off x="5847405" y="128529"/>
+          <a:ext cx="222413" cy="91440"/>
         </a:xfrm>
         <a:custGeom>
           <a:avLst/>
@@ -8371,7 +8595,7 @@
                 <a:pt x="0" y="45720"/>
               </a:moveTo>
               <a:lnTo>
-                <a:pt x="198139" y="45720"/>
+                <a:pt x="222413" y="45720"/>
               </a:lnTo>
             </a:path>
           </a:pathLst>
@@ -8433,8 +8657,8 @@
         </a:p>
       </dsp:txBody>
       <dsp:txXfrm>
-        <a:off x="5586877" y="150279"/>
-        <a:ext cx="9906" cy="9906"/>
+        <a:off x="5953051" y="168689"/>
+        <a:ext cx="11120" cy="11120"/>
       </dsp:txXfrm>
     </dsp:sp>
     <dsp:sp modelId="{BAA917A3-9107-432E-9964-D324D3461879}">
@@ -8444,8 +8668,8 @@
       </dsp:nvSpPr>
       <dsp:spPr>
         <a:xfrm>
-          <a:off x="4303921" y="155232"/>
-          <a:ext cx="198139" cy="188776"/>
+          <a:off x="4512922" y="174249"/>
+          <a:ext cx="222413" cy="211903"/>
         </a:xfrm>
         <a:custGeom>
           <a:avLst/>
@@ -8456,16 +8680,16 @@
           <a:pathLst>
             <a:path>
               <a:moveTo>
-                <a:pt x="0" y="188776"/>
+                <a:pt x="0" y="211903"/>
               </a:moveTo>
               <a:lnTo>
-                <a:pt x="99069" y="188776"/>
+                <a:pt x="111206" y="211903"/>
               </a:lnTo>
               <a:lnTo>
-                <a:pt x="99069" y="0"/>
+                <a:pt x="111206" y="0"/>
               </a:lnTo>
               <a:lnTo>
-                <a:pt x="198139" y="0"/>
+                <a:pt x="222413" y="0"/>
               </a:lnTo>
             </a:path>
           </a:pathLst>
@@ -8527,8 +8751,8 @@
         </a:p>
       </dsp:txBody>
       <dsp:txXfrm>
-        <a:off x="4396149" y="242779"/>
-        <a:ext cx="13683" cy="13683"/>
+        <a:off x="4616449" y="272521"/>
+        <a:ext cx="15359" cy="15359"/>
       </dsp:txXfrm>
     </dsp:sp>
     <dsp:sp modelId="{82033728-1BC2-436B-8DDE-6ECEF4EC90AA}">
@@ -8538,8 +8762,8 @@
       </dsp:nvSpPr>
       <dsp:spPr>
         <a:xfrm>
-          <a:off x="3115081" y="344009"/>
-          <a:ext cx="198139" cy="471941"/>
+          <a:off x="3178440" y="386153"/>
+          <a:ext cx="222413" cy="529758"/>
         </a:xfrm>
         <a:custGeom>
           <a:avLst/>
@@ -8550,16 +8774,16 @@
           <a:pathLst>
             <a:path>
               <a:moveTo>
-                <a:pt x="0" y="471941"/>
+                <a:pt x="0" y="529758"/>
               </a:moveTo>
               <a:lnTo>
-                <a:pt x="99069" y="471941"/>
+                <a:pt x="111206" y="529758"/>
               </a:lnTo>
               <a:lnTo>
-                <a:pt x="99069" y="0"/>
+                <a:pt x="111206" y="0"/>
               </a:lnTo>
               <a:lnTo>
-                <a:pt x="198139" y="0"/>
+                <a:pt x="222413" y="0"/>
               </a:lnTo>
             </a:path>
           </a:pathLst>
@@ -8621,8 +8845,8 @@
         </a:p>
       </dsp:txBody>
       <dsp:txXfrm>
-        <a:off x="3201355" y="567183"/>
-        <a:ext cx="25592" cy="25592"/>
+        <a:off x="3275283" y="636668"/>
+        <a:ext cx="28727" cy="28727"/>
       </dsp:txXfrm>
     </dsp:sp>
     <dsp:sp modelId="{B9BA4311-607E-4792-ADC2-8D25F4176DE8}">
@@ -8632,8 +8856,8 @@
       </dsp:nvSpPr>
       <dsp:spPr>
         <a:xfrm>
-          <a:off x="1926242" y="815950"/>
-          <a:ext cx="198139" cy="2076542"/>
+          <a:off x="1843957" y="915911"/>
+          <a:ext cx="222413" cy="2330936"/>
         </a:xfrm>
         <a:custGeom>
           <a:avLst/>
@@ -8644,16 +8868,16 @@
           <a:pathLst>
             <a:path>
               <a:moveTo>
-                <a:pt x="0" y="2076542"/>
+                <a:pt x="0" y="2330936"/>
               </a:moveTo>
               <a:lnTo>
-                <a:pt x="99069" y="2076542"/>
+                <a:pt x="111206" y="2330936"/>
               </a:lnTo>
               <a:lnTo>
-                <a:pt x="99069" y="0"/>
+                <a:pt x="111206" y="0"/>
               </a:lnTo>
               <a:lnTo>
-                <a:pt x="198139" y="0"/>
+                <a:pt x="222413" y="0"/>
               </a:lnTo>
             </a:path>
           </a:pathLst>
@@ -8700,7 +8924,7 @@
         </a:bodyPr>
         <a:lstStyle/>
         <a:p>
-          <a:pPr lvl="0" algn="ctr" defTabSz="311150">
+          <a:pPr lvl="0" algn="ctr" defTabSz="355600">
             <a:lnSpc>
               <a:spcPct val="90000"/>
             </a:lnSpc>
@@ -8711,12 +8935,12 @@
               <a:spcPct val="35000"/>
             </a:spcAft>
           </a:pPr>
-          <a:endParaRPr lang="en-US" sz="700" kern="1200"/>
+          <a:endParaRPr lang="en-US" sz="800" kern="1200"/>
         </a:p>
       </dsp:txBody>
       <dsp:txXfrm>
-        <a:off x="1973162" y="1802072"/>
-        <a:ext cx="104298" cy="104298"/>
+        <a:off x="1896626" y="2022841"/>
+        <a:ext cx="117076" cy="117076"/>
       </dsp:txXfrm>
     </dsp:sp>
     <dsp:sp modelId="{57BBFC36-52DB-4A29-A504-0705207664BE}">
@@ -8726,8 +8950,8 @@
       </dsp:nvSpPr>
       <dsp:spPr>
         <a:xfrm rot="16200000">
-          <a:off x="980372" y="2741471"/>
-          <a:ext cx="1589697" cy="302042"/>
+          <a:off x="782210" y="3077325"/>
+          <a:ext cx="1784449" cy="339045"/>
         </a:xfrm>
         <a:prstGeom prst="rect">
           <a:avLst/>
@@ -8778,12 +9002,12 @@
         </a:fontRef>
       </dsp:style>
       <dsp:txBody>
-        <a:bodyPr spcFirstLastPara="0" vert="horz" wrap="square" lIns="12065" tIns="12065" rIns="12065" bIns="12065" numCol="1" spcCol="1270" anchor="ctr" anchorCtr="0">
+        <a:bodyPr spcFirstLastPara="0" vert="horz" wrap="square" lIns="13970" tIns="13970" rIns="13970" bIns="13970" numCol="1" spcCol="1270" anchor="ctr" anchorCtr="0">
           <a:noAutofit/>
         </a:bodyPr>
         <a:lstStyle/>
         <a:p>
-          <a:pPr lvl="0" algn="ctr" defTabSz="844550">
+          <a:pPr lvl="0" algn="ctr" defTabSz="977900">
             <a:lnSpc>
               <a:spcPct val="90000"/>
             </a:lnSpc>
@@ -8795,14 +9019,14 @@
             </a:spcAft>
           </a:pPr>
           <a:r>
-            <a:rPr lang="en-US" sz="1900" kern="1200" dirty="0" smtClean="0"/>
+            <a:rPr lang="en-US" sz="2200" kern="1200" dirty="0" smtClean="0"/>
             <a:t>Masteries</a:t>
           </a:r>
         </a:p>
       </dsp:txBody>
       <dsp:txXfrm>
-        <a:off x="980372" y="2741471"/>
-        <a:ext cx="1589697" cy="302042"/>
+        <a:off x="782210" y="3077325"/>
+        <a:ext cx="1784449" cy="339045"/>
       </dsp:txXfrm>
     </dsp:sp>
     <dsp:sp modelId="{9BB1D805-62E9-4969-94DF-CF4D30B24F3A}">
@@ -8812,8 +9036,8 @@
       </dsp:nvSpPr>
       <dsp:spPr>
         <a:xfrm>
-          <a:off x="2124382" y="664929"/>
-          <a:ext cx="990699" cy="302042"/>
+          <a:off x="2066371" y="746388"/>
+          <a:ext cx="1112068" cy="339045"/>
         </a:xfrm>
         <a:prstGeom prst="rect">
           <a:avLst/>
@@ -8864,12 +9088,12 @@
         </a:fontRef>
       </dsp:style>
       <dsp:txBody>
-        <a:bodyPr spcFirstLastPara="0" vert="horz" wrap="square" lIns="6350" tIns="6350" rIns="6350" bIns="6350" numCol="1" spcCol="1270" anchor="ctr" anchorCtr="0">
+        <a:bodyPr spcFirstLastPara="0" vert="horz" wrap="square" lIns="6985" tIns="6985" rIns="6985" bIns="6985" numCol="1" spcCol="1270" anchor="ctr" anchorCtr="0">
           <a:noAutofit/>
         </a:bodyPr>
         <a:lstStyle/>
         <a:p>
-          <a:pPr lvl="0" algn="ctr" defTabSz="444500">
+          <a:pPr lvl="0" algn="ctr" defTabSz="488950">
             <a:lnSpc>
               <a:spcPct val="90000"/>
             </a:lnSpc>
@@ -8881,23 +9105,23 @@
             </a:spcAft>
           </a:pPr>
           <a:r>
-            <a:rPr lang="en-US" sz="1000" kern="1200" dirty="0" smtClean="0"/>
+            <a:rPr lang="en-US" sz="1100" kern="1200" dirty="0" smtClean="0"/>
             <a:t>Concept: </a:t>
           </a:r>
           <a:r>
-            <a:rPr lang="ja-JP" altLang="en-US" sz="1000" kern="1200" dirty="0" smtClean="0"/>
+            <a:rPr lang="ja-JP" altLang="en-US" sz="1100" kern="1200" dirty="0" smtClean="0"/>
             <a:t>本 </a:t>
           </a:r>
           <a:r>
-            <a:rPr lang="en-US" altLang="ja-JP" sz="1000" kern="1200" dirty="0" smtClean="0"/>
+            <a:rPr lang="en-US" altLang="ja-JP" sz="1100" kern="1200" dirty="0" smtClean="0"/>
             <a:t>(character)</a:t>
           </a:r>
-          <a:endParaRPr lang="en-US" sz="1000" kern="1200" dirty="0" smtClean="0"/>
+          <a:endParaRPr lang="en-US" sz="1100" kern="1200" dirty="0" smtClean="0"/>
         </a:p>
       </dsp:txBody>
       <dsp:txXfrm>
-        <a:off x="2124382" y="664929"/>
-        <a:ext cx="990699" cy="302042"/>
+        <a:off x="2066371" y="746388"/>
+        <a:ext cx="1112068" cy="339045"/>
       </dsp:txXfrm>
     </dsp:sp>
     <dsp:sp modelId="{BDD8271E-F089-4D7F-BA5B-D6CD06593723}">
@@ -8907,8 +9131,8 @@
       </dsp:nvSpPr>
       <dsp:spPr>
         <a:xfrm>
-          <a:off x="3313221" y="192987"/>
-          <a:ext cx="990699" cy="302042"/>
+          <a:off x="3400853" y="216630"/>
+          <a:ext cx="1112068" cy="339045"/>
         </a:xfrm>
         <a:prstGeom prst="rect">
           <a:avLst/>
@@ -8959,12 +9183,12 @@
         </a:fontRef>
       </dsp:style>
       <dsp:txBody>
-        <a:bodyPr spcFirstLastPara="0" vert="horz" wrap="square" lIns="6350" tIns="6350" rIns="6350" bIns="6350" numCol="1" spcCol="1270" anchor="ctr" anchorCtr="0">
+        <a:bodyPr spcFirstLastPara="0" vert="horz" wrap="square" lIns="6985" tIns="6985" rIns="6985" bIns="6985" numCol="1" spcCol="1270" anchor="ctr" anchorCtr="0">
           <a:noAutofit/>
         </a:bodyPr>
         <a:lstStyle/>
         <a:p>
-          <a:pPr lvl="0" algn="ctr" defTabSz="444500">
+          <a:pPr lvl="0" algn="ctr" defTabSz="488950">
             <a:lnSpc>
               <a:spcPct val="90000"/>
             </a:lnSpc>
@@ -8976,14 +9200,14 @@
             </a:spcAft>
           </a:pPr>
           <a:r>
-            <a:rPr lang="en-US" sz="1000" kern="1200" dirty="0" smtClean="0"/>
+            <a:rPr lang="en-US" sz="1100" kern="1200" dirty="0" smtClean="0"/>
             <a:t>Mastery</a:t>
           </a:r>
         </a:p>
       </dsp:txBody>
       <dsp:txXfrm>
-        <a:off x="3313221" y="192987"/>
-        <a:ext cx="990699" cy="302042"/>
+        <a:off x="3400853" y="216630"/>
+        <a:ext cx="1112068" cy="339045"/>
       </dsp:txXfrm>
     </dsp:sp>
     <dsp:sp modelId="{387FA492-FB79-432E-A20D-C00B32A9DAEE}">
@@ -8993,8 +9217,8 @@
       </dsp:nvSpPr>
       <dsp:spPr>
         <a:xfrm>
-          <a:off x="4502061" y="4211"/>
-          <a:ext cx="990699" cy="302042"/>
+          <a:off x="4735336" y="4727"/>
+          <a:ext cx="1112068" cy="339045"/>
         </a:xfrm>
         <a:prstGeom prst="rect">
           <a:avLst/>
@@ -9045,12 +9269,12 @@
         </a:fontRef>
       </dsp:style>
       <dsp:txBody>
-        <a:bodyPr spcFirstLastPara="0" vert="horz" wrap="square" lIns="6350" tIns="6350" rIns="6350" bIns="6350" numCol="1" spcCol="1270" anchor="ctr" anchorCtr="0">
+        <a:bodyPr spcFirstLastPara="0" vert="horz" wrap="square" lIns="6985" tIns="6985" rIns="6985" bIns="6985" numCol="1" spcCol="1270" anchor="ctr" anchorCtr="0">
           <a:noAutofit/>
         </a:bodyPr>
         <a:lstStyle/>
         <a:p>
-          <a:pPr lvl="0" algn="ctr" defTabSz="444500">
+          <a:pPr lvl="0" algn="ctr" defTabSz="488950">
             <a:lnSpc>
               <a:spcPct val="90000"/>
             </a:lnSpc>
@@ -9062,14 +9286,14 @@
             </a:spcAft>
           </a:pPr>
           <a:r>
-            <a:rPr lang="en-US" sz="1000" kern="1200" dirty="0" smtClean="0"/>
+            <a:rPr lang="en-US" sz="1100" kern="1200" dirty="0" smtClean="0"/>
             <a:t>Reading</a:t>
           </a:r>
         </a:p>
       </dsp:txBody>
       <dsp:txXfrm>
-        <a:off x="4502061" y="4211"/>
-        <a:ext cx="990699" cy="302042"/>
+        <a:off x="4735336" y="4727"/>
+        <a:ext cx="1112068" cy="339045"/>
       </dsp:txXfrm>
     </dsp:sp>
     <dsp:sp modelId="{06C3FEE4-0DFA-4970-A93A-F8AE2B672AB9}">
@@ -9079,8 +9303,8 @@
       </dsp:nvSpPr>
       <dsp:spPr>
         <a:xfrm>
-          <a:off x="5690900" y="4211"/>
-          <a:ext cx="990699" cy="302042"/>
+          <a:off x="6069818" y="4727"/>
+          <a:ext cx="1112068" cy="339045"/>
         </a:xfrm>
         <a:prstGeom prst="rect">
           <a:avLst/>
@@ -9131,12 +9355,12 @@
         </a:fontRef>
       </dsp:style>
       <dsp:txBody>
-        <a:bodyPr spcFirstLastPara="0" vert="horz" wrap="square" lIns="6350" tIns="6350" rIns="6350" bIns="6350" numCol="1" spcCol="1270" anchor="ctr" anchorCtr="0">
+        <a:bodyPr spcFirstLastPara="0" vert="horz" wrap="square" lIns="6985" tIns="6985" rIns="6985" bIns="6985" numCol="1" spcCol="1270" anchor="ctr" anchorCtr="0">
           <a:noAutofit/>
         </a:bodyPr>
         <a:lstStyle/>
         <a:p>
-          <a:pPr lvl="0" algn="ctr" defTabSz="444500">
+          <a:pPr lvl="0" algn="ctr" defTabSz="488950">
             <a:lnSpc>
               <a:spcPct val="90000"/>
             </a:lnSpc>
@@ -9148,14 +9372,14 @@
             </a:spcAft>
           </a:pPr>
           <a:r>
-            <a:rPr lang="en-US" sz="1000" kern="1200" dirty="0" smtClean="0"/>
+            <a:rPr lang="en-US" sz="1100" kern="1200" dirty="0" smtClean="0"/>
             <a:t>0/100</a:t>
           </a:r>
         </a:p>
       </dsp:txBody>
       <dsp:txXfrm>
-        <a:off x="5690900" y="4211"/>
-        <a:ext cx="990699" cy="302042"/>
+        <a:off x="6069818" y="4727"/>
+        <a:ext cx="1112068" cy="339045"/>
       </dsp:txXfrm>
     </dsp:sp>
     <dsp:sp modelId="{52707329-84BD-4839-A44F-4F190A5FA09C}">
@@ -9165,8 +9389,8 @@
       </dsp:nvSpPr>
       <dsp:spPr>
         <a:xfrm>
-          <a:off x="4502061" y="381764"/>
-          <a:ext cx="990699" cy="302042"/>
+          <a:off x="4735336" y="428533"/>
+          <a:ext cx="1112068" cy="339045"/>
         </a:xfrm>
         <a:prstGeom prst="rect">
           <a:avLst/>
@@ -9217,12 +9441,12 @@
         </a:fontRef>
       </dsp:style>
       <dsp:txBody>
-        <a:bodyPr spcFirstLastPara="0" vert="horz" wrap="square" lIns="6350" tIns="6350" rIns="6350" bIns="6350" numCol="1" spcCol="1270" anchor="ctr" anchorCtr="0">
+        <a:bodyPr spcFirstLastPara="0" vert="horz" wrap="square" lIns="6985" tIns="6985" rIns="6985" bIns="6985" numCol="1" spcCol="1270" anchor="ctr" anchorCtr="0">
           <a:noAutofit/>
         </a:bodyPr>
         <a:lstStyle/>
         <a:p>
-          <a:pPr lvl="0" algn="ctr" defTabSz="444500">
+          <a:pPr lvl="0" algn="ctr" defTabSz="488950">
             <a:lnSpc>
               <a:spcPct val="90000"/>
             </a:lnSpc>
@@ -9234,14 +9458,14 @@
             </a:spcAft>
           </a:pPr>
           <a:r>
-            <a:rPr lang="en-US" sz="1000" kern="1200" dirty="0" smtClean="0"/>
+            <a:rPr lang="en-US" sz="1100" kern="1200" dirty="0" smtClean="0"/>
             <a:t>Writing</a:t>
           </a:r>
         </a:p>
       </dsp:txBody>
       <dsp:txXfrm>
-        <a:off x="4502061" y="381764"/>
-        <a:ext cx="990699" cy="302042"/>
+        <a:off x="4735336" y="428533"/>
+        <a:ext cx="1112068" cy="339045"/>
       </dsp:txXfrm>
     </dsp:sp>
     <dsp:sp modelId="{77053C18-3727-44C8-816B-4F077F369823}">
@@ -9251,8 +9475,8 @@
       </dsp:nvSpPr>
       <dsp:spPr>
         <a:xfrm>
-          <a:off x="5690900" y="381764"/>
-          <a:ext cx="990699" cy="302042"/>
+          <a:off x="6069818" y="428533"/>
+          <a:ext cx="1112068" cy="339045"/>
         </a:xfrm>
         <a:prstGeom prst="rect">
           <a:avLst/>
@@ -9303,12 +9527,12 @@
         </a:fontRef>
       </dsp:style>
       <dsp:txBody>
-        <a:bodyPr spcFirstLastPara="0" vert="horz" wrap="square" lIns="6350" tIns="6350" rIns="6350" bIns="6350" numCol="1" spcCol="1270" anchor="ctr" anchorCtr="0">
+        <a:bodyPr spcFirstLastPara="0" vert="horz" wrap="square" lIns="6985" tIns="6985" rIns="6985" bIns="6985" numCol="1" spcCol="1270" anchor="ctr" anchorCtr="0">
           <a:noAutofit/>
         </a:bodyPr>
         <a:lstStyle/>
         <a:p>
-          <a:pPr lvl="0" algn="ctr" defTabSz="444500">
+          <a:pPr lvl="0" algn="ctr" defTabSz="488950">
             <a:lnSpc>
               <a:spcPct val="90000"/>
             </a:lnSpc>
@@ -9320,14 +9544,14 @@
             </a:spcAft>
           </a:pPr>
           <a:r>
-            <a:rPr lang="en-US" sz="1000" kern="1200" dirty="0" smtClean="0"/>
+            <a:rPr lang="en-US" sz="1100" kern="1200" dirty="0" smtClean="0"/>
             <a:t>0/100</a:t>
           </a:r>
         </a:p>
       </dsp:txBody>
       <dsp:txXfrm>
-        <a:off x="5690900" y="381764"/>
-        <a:ext cx="990699" cy="302042"/>
+        <a:off x="6069818" y="428533"/>
+        <a:ext cx="1112068" cy="339045"/>
       </dsp:txXfrm>
     </dsp:sp>
     <dsp:sp modelId="{6D1BC406-A699-448F-AD3F-75180353C521}">
@@ -9337,8 +9561,8 @@
       </dsp:nvSpPr>
       <dsp:spPr>
         <a:xfrm>
-          <a:off x="3313221" y="759317"/>
-          <a:ext cx="990699" cy="302042"/>
+          <a:off x="3400853" y="852340"/>
+          <a:ext cx="1112068" cy="339045"/>
         </a:xfrm>
         <a:prstGeom prst="rect">
           <a:avLst/>
@@ -9389,12 +9613,12 @@
         </a:fontRef>
       </dsp:style>
       <dsp:txBody>
-        <a:bodyPr spcFirstLastPara="0" vert="horz" wrap="square" lIns="6350" tIns="6350" rIns="6350" bIns="6350" numCol="1" spcCol="1270" anchor="ctr" anchorCtr="0">
+        <a:bodyPr spcFirstLastPara="0" vert="horz" wrap="square" lIns="6985" tIns="6985" rIns="6985" bIns="6985" numCol="1" spcCol="1270" anchor="ctr" anchorCtr="0">
           <a:noAutofit/>
         </a:bodyPr>
         <a:lstStyle/>
         <a:p>
-          <a:pPr lvl="0" algn="ctr" defTabSz="444500">
+          <a:pPr lvl="0" algn="ctr" defTabSz="488950">
             <a:lnSpc>
               <a:spcPct val="90000"/>
             </a:lnSpc>
@@ -9406,14 +9630,14 @@
             </a:spcAft>
           </a:pPr>
           <a:r>
-            <a:rPr lang="en-US" sz="1000" kern="1200" dirty="0" smtClean="0"/>
+            <a:rPr lang="en-US" sz="1100" kern="1200" dirty="0" smtClean="0"/>
             <a:t>Lesson Tag</a:t>
           </a:r>
         </a:p>
       </dsp:txBody>
       <dsp:txXfrm>
-        <a:off x="3313221" y="759317"/>
-        <a:ext cx="990699" cy="302042"/>
+        <a:off x="3400853" y="852340"/>
+        <a:ext cx="1112068" cy="339045"/>
       </dsp:txXfrm>
     </dsp:sp>
     <dsp:sp modelId="{9E91FD1E-7D89-4380-8270-6B05EA62243B}">
@@ -9423,8 +9647,8 @@
       </dsp:nvSpPr>
       <dsp:spPr>
         <a:xfrm>
-          <a:off x="4502061" y="759317"/>
-          <a:ext cx="990699" cy="302042"/>
+          <a:off x="4735336" y="852340"/>
+          <a:ext cx="1112068" cy="339045"/>
         </a:xfrm>
         <a:prstGeom prst="rect">
           <a:avLst/>
@@ -9475,12 +9699,12 @@
         </a:fontRef>
       </dsp:style>
       <dsp:txBody>
-        <a:bodyPr spcFirstLastPara="0" vert="horz" wrap="square" lIns="6350" tIns="6350" rIns="6350" bIns="6350" numCol="1" spcCol="1270" anchor="ctr" anchorCtr="0">
+        <a:bodyPr spcFirstLastPara="0" vert="horz" wrap="square" lIns="6985" tIns="6985" rIns="6985" bIns="6985" numCol="1" spcCol="1270" anchor="ctr" anchorCtr="0">
           <a:noAutofit/>
         </a:bodyPr>
         <a:lstStyle/>
         <a:p>
-          <a:pPr lvl="0" algn="ctr" defTabSz="444500">
+          <a:pPr lvl="0" algn="ctr" defTabSz="488950">
             <a:lnSpc>
               <a:spcPct val="90000"/>
             </a:lnSpc>
@@ -9492,14 +9716,14 @@
             </a:spcAft>
           </a:pPr>
           <a:r>
-            <a:rPr lang="en-US" sz="1000" kern="1200" dirty="0" smtClean="0"/>
+            <a:rPr lang="en-US" sz="1100" kern="1200" dirty="0" smtClean="0"/>
             <a:t>Lesson #1</a:t>
           </a:r>
         </a:p>
       </dsp:txBody>
       <dsp:txXfrm>
-        <a:off x="4502061" y="759317"/>
-        <a:ext cx="990699" cy="302042"/>
+        <a:off x="4735336" y="852340"/>
+        <a:ext cx="1112068" cy="339045"/>
       </dsp:txXfrm>
     </dsp:sp>
     <dsp:sp modelId="{A86E93C6-8458-4BFF-8200-F706C15733ED}">
@@ -9509,8 +9733,8 @@
       </dsp:nvSpPr>
       <dsp:spPr>
         <a:xfrm>
-          <a:off x="3313221" y="1136870"/>
-          <a:ext cx="990699" cy="302042"/>
+          <a:off x="3400853" y="1276147"/>
+          <a:ext cx="1112068" cy="339045"/>
         </a:xfrm>
         <a:prstGeom prst="rect">
           <a:avLst/>
@@ -9561,12 +9785,12 @@
         </a:fontRef>
       </dsp:style>
       <dsp:txBody>
-        <a:bodyPr spcFirstLastPara="0" vert="horz" wrap="square" lIns="6350" tIns="6350" rIns="6350" bIns="6350" numCol="1" spcCol="1270" anchor="ctr" anchorCtr="0">
+        <a:bodyPr spcFirstLastPara="0" vert="horz" wrap="square" lIns="6985" tIns="6985" rIns="6985" bIns="6985" numCol="1" spcCol="1270" anchor="ctr" anchorCtr="0">
           <a:noAutofit/>
         </a:bodyPr>
         <a:lstStyle/>
         <a:p>
-          <a:pPr lvl="0" algn="ctr" defTabSz="444500">
+          <a:pPr lvl="0" algn="ctr" defTabSz="488950">
             <a:lnSpc>
               <a:spcPct val="90000"/>
             </a:lnSpc>
@@ -9578,14 +9802,14 @@
             </a:spcAft>
           </a:pPr>
           <a:r>
-            <a:rPr lang="en-US" sz="1000" kern="1200" dirty="0" smtClean="0"/>
+            <a:rPr lang="en-US" sz="1100" kern="1200" dirty="0" smtClean="0"/>
             <a:t>Type</a:t>
           </a:r>
         </a:p>
       </dsp:txBody>
       <dsp:txXfrm>
-        <a:off x="3313221" y="1136870"/>
-        <a:ext cx="990699" cy="302042"/>
+        <a:off x="3400853" y="1276147"/>
+        <a:ext cx="1112068" cy="339045"/>
       </dsp:txXfrm>
     </dsp:sp>
     <dsp:sp modelId="{165B30B3-E3C8-48E7-9AFC-132F83F3C047}">
@@ -9595,8 +9819,8 @@
       </dsp:nvSpPr>
       <dsp:spPr>
         <a:xfrm>
-          <a:off x="4502061" y="1136870"/>
-          <a:ext cx="990699" cy="302042"/>
+          <a:off x="4735336" y="1276147"/>
+          <a:ext cx="1112068" cy="339045"/>
         </a:xfrm>
         <a:prstGeom prst="rect">
           <a:avLst/>
@@ -9647,12 +9871,12 @@
         </a:fontRef>
       </dsp:style>
       <dsp:txBody>
-        <a:bodyPr spcFirstLastPara="0" vert="horz" wrap="square" lIns="6350" tIns="6350" rIns="6350" bIns="6350" numCol="1" spcCol="1270" anchor="ctr" anchorCtr="0">
+        <a:bodyPr spcFirstLastPara="0" vert="horz" wrap="square" lIns="6985" tIns="6985" rIns="6985" bIns="6985" numCol="1" spcCol="1270" anchor="ctr" anchorCtr="0">
           <a:noAutofit/>
         </a:bodyPr>
         <a:lstStyle/>
         <a:p>
-          <a:pPr lvl="0" algn="ctr" defTabSz="444500">
+          <a:pPr lvl="0" algn="ctr" defTabSz="488950">
             <a:lnSpc>
               <a:spcPct val="90000"/>
             </a:lnSpc>
@@ -9664,14 +9888,14 @@
             </a:spcAft>
           </a:pPr>
           <a:r>
-            <a:rPr lang="en-US" sz="1000" kern="1200" dirty="0" smtClean="0"/>
+            <a:rPr lang="en-US" sz="1100" kern="1200" dirty="0" smtClean="0"/>
             <a:t>Vocabulary (*)</a:t>
           </a:r>
         </a:p>
       </dsp:txBody>
       <dsp:txXfrm>
-        <a:off x="4502061" y="1136870"/>
-        <a:ext cx="990699" cy="302042"/>
+        <a:off x="4735336" y="1276147"/>
+        <a:ext cx="1112068" cy="339045"/>
       </dsp:txXfrm>
     </dsp:sp>
     <dsp:sp modelId="{4055B3BC-4798-419D-B533-9CD9C987B189}">
@@ -9681,8 +9905,8 @@
       </dsp:nvSpPr>
       <dsp:spPr>
         <a:xfrm>
-          <a:off x="5690900" y="1136870"/>
-          <a:ext cx="990699" cy="302042"/>
+          <a:off x="6069818" y="1276147"/>
+          <a:ext cx="1112068" cy="339045"/>
         </a:xfrm>
         <a:prstGeom prst="rect">
           <a:avLst/>
@@ -9733,12 +9957,12 @@
         </a:fontRef>
       </dsp:style>
       <dsp:txBody>
-        <a:bodyPr spcFirstLastPara="0" vert="horz" wrap="square" lIns="6350" tIns="6350" rIns="6350" bIns="6350" numCol="1" spcCol="1270" anchor="ctr" anchorCtr="0">
+        <a:bodyPr spcFirstLastPara="0" vert="horz" wrap="square" lIns="6985" tIns="6985" rIns="6985" bIns="6985" numCol="1" spcCol="1270" anchor="ctr" anchorCtr="0">
           <a:noAutofit/>
         </a:bodyPr>
         <a:lstStyle/>
         <a:p>
-          <a:pPr lvl="0" algn="ctr" defTabSz="444500">
+          <a:pPr lvl="0" algn="ctr" defTabSz="488950">
             <a:lnSpc>
               <a:spcPct val="90000"/>
             </a:lnSpc>
@@ -9750,14 +9974,14 @@
             </a:spcAft>
           </a:pPr>
           <a:r>
-            <a:rPr lang="en-US" sz="1000" kern="1200" dirty="0" smtClean="0"/>
+            <a:rPr lang="en-US" sz="1100" kern="1200" dirty="0" smtClean="0"/>
             <a:t>Character (*)</a:t>
           </a:r>
         </a:p>
       </dsp:txBody>
       <dsp:txXfrm>
-        <a:off x="5690900" y="1136870"/>
-        <a:ext cx="990699" cy="302042"/>
+        <a:off x="6069818" y="1276147"/>
+        <a:ext cx="1112068" cy="339045"/>
       </dsp:txXfrm>
     </dsp:sp>
     <dsp:sp modelId="{700910F4-A409-4638-A270-97828478C5D9}">
@@ -9767,8 +9991,8 @@
       </dsp:nvSpPr>
       <dsp:spPr>
         <a:xfrm>
-          <a:off x="2124382" y="2363918"/>
-          <a:ext cx="990699" cy="302042"/>
+          <a:off x="2066371" y="2653518"/>
+          <a:ext cx="1112068" cy="339045"/>
         </a:xfrm>
         <a:prstGeom prst="rect">
           <a:avLst/>
@@ -9819,12 +10043,12 @@
         </a:fontRef>
       </dsp:style>
       <dsp:txBody>
-        <a:bodyPr spcFirstLastPara="0" vert="horz" wrap="square" lIns="6350" tIns="6350" rIns="6350" bIns="6350" numCol="1" spcCol="1270" anchor="ctr" anchorCtr="0">
+        <a:bodyPr spcFirstLastPara="0" vert="horz" wrap="square" lIns="6985" tIns="6985" rIns="6985" bIns="6985" numCol="1" spcCol="1270" anchor="ctr" anchorCtr="0">
           <a:noAutofit/>
         </a:bodyPr>
         <a:lstStyle/>
         <a:p>
-          <a:pPr lvl="0" algn="ctr" defTabSz="444500">
+          <a:pPr lvl="0" algn="ctr" defTabSz="488950">
             <a:lnSpc>
               <a:spcPct val="90000"/>
             </a:lnSpc>
@@ -9836,23 +10060,23 @@
             </a:spcAft>
           </a:pPr>
           <a:r>
-            <a:rPr lang="en-US" sz="1000" kern="1200" dirty="0" smtClean="0"/>
+            <a:rPr lang="en-US" sz="1100" kern="1200" dirty="0" smtClean="0"/>
             <a:t>Concept: </a:t>
           </a:r>
           <a:r>
-            <a:rPr lang="ja-JP" altLang="en-US" sz="1000" kern="1200" dirty="0" smtClean="0"/>
+            <a:rPr lang="ja-JP" altLang="en-US" sz="1100" kern="1200" dirty="0" smtClean="0"/>
             <a:t>本 </a:t>
           </a:r>
           <a:r>
-            <a:rPr lang="en-US" altLang="ja-JP" sz="1000" kern="1200" dirty="0" smtClean="0"/>
+            <a:rPr lang="en-US" altLang="ja-JP" sz="1100" kern="1200" dirty="0" smtClean="0"/>
             <a:t>(word)</a:t>
           </a:r>
-          <a:endParaRPr lang="en-US" sz="1000" kern="1200" dirty="0" smtClean="0"/>
+          <a:endParaRPr lang="en-US" sz="1100" kern="1200" dirty="0" smtClean="0"/>
         </a:p>
       </dsp:txBody>
       <dsp:txXfrm>
-        <a:off x="2124382" y="2363918"/>
-        <a:ext cx="990699" cy="302042"/>
+        <a:off x="2066371" y="2653518"/>
+        <a:ext cx="1112068" cy="339045"/>
       </dsp:txXfrm>
     </dsp:sp>
     <dsp:sp modelId="{9BB05BC1-CE02-4CD2-B1EB-37B167FEE122}">
@@ -9862,8 +10086,8 @@
       </dsp:nvSpPr>
       <dsp:spPr>
         <a:xfrm>
-          <a:off x="3313221" y="1703200"/>
-          <a:ext cx="990699" cy="302042"/>
+          <a:off x="3400853" y="1911857"/>
+          <a:ext cx="1112068" cy="339045"/>
         </a:xfrm>
         <a:prstGeom prst="rect">
           <a:avLst/>
@@ -9914,12 +10138,12 @@
         </a:fontRef>
       </dsp:style>
       <dsp:txBody>
-        <a:bodyPr spcFirstLastPara="0" vert="horz" wrap="square" lIns="6350" tIns="6350" rIns="6350" bIns="6350" numCol="1" spcCol="1270" anchor="ctr" anchorCtr="0">
+        <a:bodyPr spcFirstLastPara="0" vert="horz" wrap="square" lIns="6985" tIns="6985" rIns="6985" bIns="6985" numCol="1" spcCol="1270" anchor="ctr" anchorCtr="0">
           <a:noAutofit/>
         </a:bodyPr>
         <a:lstStyle/>
         <a:p>
-          <a:pPr lvl="0" algn="ctr" defTabSz="444500">
+          <a:pPr lvl="0" algn="ctr" defTabSz="488950">
             <a:lnSpc>
               <a:spcPct val="90000"/>
             </a:lnSpc>
@@ -9931,14 +10155,14 @@
             </a:spcAft>
           </a:pPr>
           <a:r>
-            <a:rPr lang="en-US" sz="1000" kern="1200" dirty="0" smtClean="0"/>
+            <a:rPr lang="en-US" sz="1100" kern="1200" dirty="0" smtClean="0"/>
             <a:t>Mastery</a:t>
           </a:r>
         </a:p>
       </dsp:txBody>
       <dsp:txXfrm>
-        <a:off x="3313221" y="1703200"/>
-        <a:ext cx="990699" cy="302042"/>
+        <a:off x="3400853" y="1911857"/>
+        <a:ext cx="1112068" cy="339045"/>
       </dsp:txXfrm>
     </dsp:sp>
     <dsp:sp modelId="{1F22400B-5A37-45C3-925F-26DE7CD25525}">
@@ -9948,8 +10172,8 @@
       </dsp:nvSpPr>
       <dsp:spPr>
         <a:xfrm>
-          <a:off x="4502061" y="1514424"/>
-          <a:ext cx="990699" cy="302042"/>
+          <a:off x="4735336" y="1699953"/>
+          <a:ext cx="1112068" cy="339045"/>
         </a:xfrm>
         <a:prstGeom prst="rect">
           <a:avLst/>
@@ -10000,12 +10224,12 @@
         </a:fontRef>
       </dsp:style>
       <dsp:txBody>
-        <a:bodyPr spcFirstLastPara="0" vert="horz" wrap="square" lIns="6350" tIns="6350" rIns="6350" bIns="6350" numCol="1" spcCol="1270" anchor="ctr" anchorCtr="0">
+        <a:bodyPr spcFirstLastPara="0" vert="horz" wrap="square" lIns="6985" tIns="6985" rIns="6985" bIns="6985" numCol="1" spcCol="1270" anchor="ctr" anchorCtr="0">
           <a:noAutofit/>
         </a:bodyPr>
         <a:lstStyle/>
         <a:p>
-          <a:pPr lvl="0" algn="ctr" defTabSz="444500">
+          <a:pPr lvl="0" algn="ctr" defTabSz="488950">
             <a:lnSpc>
               <a:spcPct val="90000"/>
             </a:lnSpc>
@@ -10017,14 +10241,14 @@
             </a:spcAft>
           </a:pPr>
           <a:r>
-            <a:rPr lang="en-US" sz="1000" kern="1200" dirty="0" smtClean="0"/>
+            <a:rPr lang="en-US" sz="1100" kern="1200" dirty="0" smtClean="0"/>
             <a:t>Listening</a:t>
           </a:r>
         </a:p>
       </dsp:txBody>
       <dsp:txXfrm>
-        <a:off x="4502061" y="1514424"/>
-        <a:ext cx="990699" cy="302042"/>
+        <a:off x="4735336" y="1699953"/>
+        <a:ext cx="1112068" cy="339045"/>
       </dsp:txXfrm>
     </dsp:sp>
     <dsp:sp modelId="{81090DF3-0379-4AB5-91F7-FF2F9D39AF18}">
@@ -10034,8 +10258,8 @@
       </dsp:nvSpPr>
       <dsp:spPr>
         <a:xfrm>
-          <a:off x="5690900" y="1514424"/>
-          <a:ext cx="990699" cy="302042"/>
+          <a:off x="6069818" y="1699953"/>
+          <a:ext cx="1112068" cy="339045"/>
         </a:xfrm>
         <a:prstGeom prst="rect">
           <a:avLst/>
@@ -10086,12 +10310,12 @@
         </a:fontRef>
       </dsp:style>
       <dsp:txBody>
-        <a:bodyPr spcFirstLastPara="0" vert="horz" wrap="square" lIns="6350" tIns="6350" rIns="6350" bIns="6350" numCol="1" spcCol="1270" anchor="ctr" anchorCtr="0">
+        <a:bodyPr spcFirstLastPara="0" vert="horz" wrap="square" lIns="6985" tIns="6985" rIns="6985" bIns="6985" numCol="1" spcCol="1270" anchor="ctr" anchorCtr="0">
           <a:noAutofit/>
         </a:bodyPr>
         <a:lstStyle/>
         <a:p>
-          <a:pPr lvl="0" algn="ctr" defTabSz="444500">
+          <a:pPr lvl="0" algn="ctr" defTabSz="488950">
             <a:lnSpc>
               <a:spcPct val="90000"/>
             </a:lnSpc>
@@ -10103,14 +10327,14 @@
             </a:spcAft>
           </a:pPr>
           <a:r>
-            <a:rPr lang="en-US" sz="1000" kern="1200" dirty="0" smtClean="0"/>
+            <a:rPr lang="en-US" sz="1100" kern="1200" dirty="0" smtClean="0"/>
             <a:t>0/50</a:t>
           </a:r>
         </a:p>
       </dsp:txBody>
       <dsp:txXfrm>
-        <a:off x="5690900" y="1514424"/>
-        <a:ext cx="990699" cy="302042"/>
+        <a:off x="6069818" y="1699953"/>
+        <a:ext cx="1112068" cy="339045"/>
       </dsp:txXfrm>
     </dsp:sp>
     <dsp:sp modelId="{9AC3E540-CB5D-48BB-9B6E-A6EDF6C1E921}">
@@ -10120,8 +10344,8 @@
       </dsp:nvSpPr>
       <dsp:spPr>
         <a:xfrm>
-          <a:off x="4502061" y="1891977"/>
-          <a:ext cx="990699" cy="302042"/>
+          <a:off x="4735336" y="2123760"/>
+          <a:ext cx="1112068" cy="339045"/>
         </a:xfrm>
         <a:prstGeom prst="rect">
           <a:avLst/>
@@ -10172,12 +10396,12 @@
         </a:fontRef>
       </dsp:style>
       <dsp:txBody>
-        <a:bodyPr spcFirstLastPara="0" vert="horz" wrap="square" lIns="6350" tIns="6350" rIns="6350" bIns="6350" numCol="1" spcCol="1270" anchor="ctr" anchorCtr="0">
+        <a:bodyPr spcFirstLastPara="0" vert="horz" wrap="square" lIns="6985" tIns="6985" rIns="6985" bIns="6985" numCol="1" spcCol="1270" anchor="ctr" anchorCtr="0">
           <a:noAutofit/>
         </a:bodyPr>
         <a:lstStyle/>
         <a:p>
-          <a:pPr lvl="0" algn="ctr" defTabSz="444500">
+          <a:pPr lvl="0" algn="ctr" defTabSz="488950">
             <a:lnSpc>
               <a:spcPct val="90000"/>
             </a:lnSpc>
@@ -10189,14 +10413,14 @@
             </a:spcAft>
           </a:pPr>
           <a:r>
-            <a:rPr lang="en-US" sz="1000" kern="1200" dirty="0" smtClean="0"/>
+            <a:rPr lang="en-US" sz="1100" kern="1200" dirty="0" smtClean="0"/>
             <a:t>Speaking</a:t>
           </a:r>
         </a:p>
       </dsp:txBody>
       <dsp:txXfrm>
-        <a:off x="4502061" y="1891977"/>
-        <a:ext cx="990699" cy="302042"/>
+        <a:off x="4735336" y="2123760"/>
+        <a:ext cx="1112068" cy="339045"/>
       </dsp:txXfrm>
     </dsp:sp>
     <dsp:sp modelId="{8EBDB4BB-E9FF-459D-872D-00275534F9EA}">
@@ -10206,8 +10430,8 @@
       </dsp:nvSpPr>
       <dsp:spPr>
         <a:xfrm>
-          <a:off x="5690900" y="1891977"/>
-          <a:ext cx="990699" cy="302042"/>
+          <a:off x="6069818" y="2123760"/>
+          <a:ext cx="1112068" cy="339045"/>
         </a:xfrm>
         <a:prstGeom prst="rect">
           <a:avLst/>
@@ -10258,12 +10482,12 @@
         </a:fontRef>
       </dsp:style>
       <dsp:txBody>
-        <a:bodyPr spcFirstLastPara="0" vert="horz" wrap="square" lIns="6350" tIns="6350" rIns="6350" bIns="6350" numCol="1" spcCol="1270" anchor="ctr" anchorCtr="0">
+        <a:bodyPr spcFirstLastPara="0" vert="horz" wrap="square" lIns="6985" tIns="6985" rIns="6985" bIns="6985" numCol="1" spcCol="1270" anchor="ctr" anchorCtr="0">
           <a:noAutofit/>
         </a:bodyPr>
         <a:lstStyle/>
         <a:p>
-          <a:pPr lvl="0" algn="ctr" defTabSz="444500">
+          <a:pPr lvl="0" algn="ctr" defTabSz="488950">
             <a:lnSpc>
               <a:spcPct val="90000"/>
             </a:lnSpc>
@@ -10275,14 +10499,14 @@
             </a:spcAft>
           </a:pPr>
           <a:r>
-            <a:rPr lang="en-US" sz="1000" kern="1200" dirty="0" smtClean="0"/>
+            <a:rPr lang="en-US" sz="1100" kern="1200" dirty="0" smtClean="0"/>
             <a:t>0/50</a:t>
           </a:r>
         </a:p>
       </dsp:txBody>
       <dsp:txXfrm>
-        <a:off x="5690900" y="1891977"/>
-        <a:ext cx="990699" cy="302042"/>
+        <a:off x="6069818" y="2123760"/>
+        <a:ext cx="1112068" cy="339045"/>
       </dsp:txXfrm>
     </dsp:sp>
     <dsp:sp modelId="{852F3DFB-2EF6-4FEF-9B97-3C82A834F148}">
@@ -10292,8 +10516,8 @@
       </dsp:nvSpPr>
       <dsp:spPr>
         <a:xfrm>
-          <a:off x="3313221" y="2269530"/>
-          <a:ext cx="990699" cy="302042"/>
+          <a:off x="3400853" y="2547567"/>
+          <a:ext cx="1112068" cy="339045"/>
         </a:xfrm>
         <a:prstGeom prst="rect">
           <a:avLst/>
@@ -10344,12 +10568,12 @@
         </a:fontRef>
       </dsp:style>
       <dsp:txBody>
-        <a:bodyPr spcFirstLastPara="0" vert="horz" wrap="square" lIns="6350" tIns="6350" rIns="6350" bIns="6350" numCol="1" spcCol="1270" anchor="ctr" anchorCtr="0">
+        <a:bodyPr spcFirstLastPara="0" vert="horz" wrap="square" lIns="6985" tIns="6985" rIns="6985" bIns="6985" numCol="1" spcCol="1270" anchor="ctr" anchorCtr="0">
           <a:noAutofit/>
         </a:bodyPr>
         <a:lstStyle/>
         <a:p>
-          <a:pPr lvl="0" algn="ctr" defTabSz="444500">
+          <a:pPr lvl="0" algn="ctr" defTabSz="488950">
             <a:lnSpc>
               <a:spcPct val="90000"/>
             </a:lnSpc>
@@ -10361,14 +10585,14 @@
             </a:spcAft>
           </a:pPr>
           <a:r>
-            <a:rPr lang="en-US" sz="1000" kern="1200" dirty="0" smtClean="0"/>
+            <a:rPr lang="en-US" sz="1100" kern="1200" dirty="0" smtClean="0"/>
             <a:t>Lesson Tag</a:t>
           </a:r>
         </a:p>
       </dsp:txBody>
       <dsp:txXfrm>
-        <a:off x="3313221" y="2269530"/>
-        <a:ext cx="990699" cy="302042"/>
+        <a:off x="3400853" y="2547567"/>
+        <a:ext cx="1112068" cy="339045"/>
       </dsp:txXfrm>
     </dsp:sp>
     <dsp:sp modelId="{26F870B1-CE22-4621-85D0-860423786DC7}">
@@ -10378,8 +10602,8 @@
       </dsp:nvSpPr>
       <dsp:spPr>
         <a:xfrm>
-          <a:off x="4502061" y="2269530"/>
-          <a:ext cx="990699" cy="302042"/>
+          <a:off x="4735336" y="2547567"/>
+          <a:ext cx="1112068" cy="339045"/>
         </a:xfrm>
         <a:prstGeom prst="rect">
           <a:avLst/>
@@ -10430,12 +10654,12 @@
         </a:fontRef>
       </dsp:style>
       <dsp:txBody>
-        <a:bodyPr spcFirstLastPara="0" vert="horz" wrap="square" lIns="6350" tIns="6350" rIns="6350" bIns="6350" numCol="1" spcCol="1270" anchor="ctr" anchorCtr="0">
+        <a:bodyPr spcFirstLastPara="0" vert="horz" wrap="square" lIns="6985" tIns="6985" rIns="6985" bIns="6985" numCol="1" spcCol="1270" anchor="ctr" anchorCtr="0">
           <a:noAutofit/>
         </a:bodyPr>
         <a:lstStyle/>
         <a:p>
-          <a:pPr lvl="0" algn="ctr" defTabSz="444500">
+          <a:pPr lvl="0" algn="ctr" defTabSz="488950">
             <a:lnSpc>
               <a:spcPct val="90000"/>
             </a:lnSpc>
@@ -10447,14 +10671,14 @@
             </a:spcAft>
           </a:pPr>
           <a:r>
-            <a:rPr lang="en-US" sz="1000" kern="1200" dirty="0" smtClean="0"/>
+            <a:rPr lang="en-US" sz="1100" kern="1200" dirty="0" smtClean="0"/>
             <a:t>Lesson #1</a:t>
           </a:r>
         </a:p>
       </dsp:txBody>
       <dsp:txXfrm>
-        <a:off x="4502061" y="2269530"/>
-        <a:ext cx="990699" cy="302042"/>
+        <a:off x="4735336" y="2547567"/>
+        <a:ext cx="1112068" cy="339045"/>
       </dsp:txXfrm>
     </dsp:sp>
     <dsp:sp modelId="{0E3C31CC-09D8-419D-AF18-B46066530E07}">
@@ -10464,8 +10688,8 @@
       </dsp:nvSpPr>
       <dsp:spPr>
         <a:xfrm>
-          <a:off x="3313221" y="2647083"/>
-          <a:ext cx="990699" cy="302042"/>
+          <a:off x="3400853" y="2971373"/>
+          <a:ext cx="1112068" cy="339045"/>
         </a:xfrm>
         <a:prstGeom prst="rect">
           <a:avLst/>
@@ -10516,12 +10740,12 @@
         </a:fontRef>
       </dsp:style>
       <dsp:txBody>
-        <a:bodyPr spcFirstLastPara="0" vert="horz" wrap="square" lIns="6350" tIns="6350" rIns="6350" bIns="6350" numCol="1" spcCol="1270" anchor="ctr" anchorCtr="0">
+        <a:bodyPr spcFirstLastPara="0" vert="horz" wrap="square" lIns="6985" tIns="6985" rIns="6985" bIns="6985" numCol="1" spcCol="1270" anchor="ctr" anchorCtr="0">
           <a:noAutofit/>
         </a:bodyPr>
         <a:lstStyle/>
         <a:p>
-          <a:pPr lvl="0" algn="ctr" defTabSz="444500">
+          <a:pPr lvl="0" algn="ctr" defTabSz="488950">
             <a:lnSpc>
               <a:spcPct val="90000"/>
             </a:lnSpc>
@@ -10533,14 +10757,14 @@
             </a:spcAft>
           </a:pPr>
           <a:r>
-            <a:rPr lang="en-US" sz="1000" kern="1200" dirty="0" smtClean="0"/>
+            <a:rPr lang="en-US" sz="1100" kern="1200" dirty="0" smtClean="0"/>
             <a:t>Type</a:t>
           </a:r>
         </a:p>
       </dsp:txBody>
       <dsp:txXfrm>
-        <a:off x="3313221" y="2647083"/>
-        <a:ext cx="990699" cy="302042"/>
+        <a:off x="3400853" y="2971373"/>
+        <a:ext cx="1112068" cy="339045"/>
       </dsp:txXfrm>
     </dsp:sp>
     <dsp:sp modelId="{529BB571-5759-4C86-B1B0-2519A0D18D39}">
@@ -10550,8 +10774,8 @@
       </dsp:nvSpPr>
       <dsp:spPr>
         <a:xfrm>
-          <a:off x="4502061" y="2647083"/>
-          <a:ext cx="990699" cy="302042"/>
+          <a:off x="4735336" y="2971373"/>
+          <a:ext cx="1112068" cy="339045"/>
         </a:xfrm>
         <a:prstGeom prst="rect">
           <a:avLst/>
@@ -10602,12 +10826,12 @@
         </a:fontRef>
       </dsp:style>
       <dsp:txBody>
-        <a:bodyPr spcFirstLastPara="0" vert="horz" wrap="square" lIns="6350" tIns="6350" rIns="6350" bIns="6350" numCol="1" spcCol="1270" anchor="ctr" anchorCtr="0">
+        <a:bodyPr spcFirstLastPara="0" vert="horz" wrap="square" lIns="6985" tIns="6985" rIns="6985" bIns="6985" numCol="1" spcCol="1270" anchor="ctr" anchorCtr="0">
           <a:noAutofit/>
         </a:bodyPr>
         <a:lstStyle/>
         <a:p>
-          <a:pPr lvl="0" algn="ctr" defTabSz="444500">
+          <a:pPr lvl="0" algn="ctr" defTabSz="488950">
             <a:lnSpc>
               <a:spcPct val="90000"/>
             </a:lnSpc>
@@ -10619,14 +10843,14 @@
             </a:spcAft>
           </a:pPr>
           <a:r>
-            <a:rPr lang="en-US" sz="1000" kern="1200" dirty="0" smtClean="0"/>
+            <a:rPr lang="en-US" sz="1100" kern="1200" dirty="0" smtClean="0"/>
             <a:t>Vocabulary (*)</a:t>
           </a:r>
         </a:p>
       </dsp:txBody>
       <dsp:txXfrm>
-        <a:off x="4502061" y="2647083"/>
-        <a:ext cx="990699" cy="302042"/>
+        <a:off x="4735336" y="2971373"/>
+        <a:ext cx="1112068" cy="339045"/>
       </dsp:txXfrm>
     </dsp:sp>
     <dsp:sp modelId="{D46BA6DD-6FB0-49FC-B51F-315A86E9910B}">
@@ -10636,8 +10860,8 @@
       </dsp:nvSpPr>
       <dsp:spPr>
         <a:xfrm>
-          <a:off x="5690900" y="2647083"/>
-          <a:ext cx="990699" cy="302042"/>
+          <a:off x="6069818" y="2971373"/>
+          <a:ext cx="1112068" cy="339045"/>
         </a:xfrm>
         <a:prstGeom prst="rect">
           <a:avLst/>
@@ -10688,12 +10912,12 @@
         </a:fontRef>
       </dsp:style>
       <dsp:txBody>
-        <a:bodyPr spcFirstLastPara="0" vert="horz" wrap="square" lIns="6350" tIns="6350" rIns="6350" bIns="6350" numCol="1" spcCol="1270" anchor="ctr" anchorCtr="0">
+        <a:bodyPr spcFirstLastPara="0" vert="horz" wrap="square" lIns="6985" tIns="6985" rIns="6985" bIns="6985" numCol="1" spcCol="1270" anchor="ctr" anchorCtr="0">
           <a:noAutofit/>
         </a:bodyPr>
         <a:lstStyle/>
         <a:p>
-          <a:pPr lvl="0" algn="ctr" defTabSz="444500">
+          <a:pPr lvl="0" algn="ctr" defTabSz="488950">
             <a:lnSpc>
               <a:spcPct val="90000"/>
             </a:lnSpc>
@@ -10705,14 +10929,14 @@
             </a:spcAft>
           </a:pPr>
           <a:r>
-            <a:rPr lang="en-US" sz="1000" kern="1200" dirty="0" smtClean="0"/>
+            <a:rPr lang="en-US" sz="1100" kern="1200" dirty="0" smtClean="0"/>
             <a:t>Word (*)</a:t>
           </a:r>
         </a:p>
       </dsp:txBody>
       <dsp:txXfrm>
-        <a:off x="5690900" y="2647083"/>
-        <a:ext cx="990699" cy="302042"/>
+        <a:off x="6069818" y="2971373"/>
+        <a:ext cx="1112068" cy="339045"/>
       </dsp:txXfrm>
     </dsp:sp>
     <dsp:sp modelId="{82032781-007C-40A9-A103-E366B782854C}">
@@ -10722,8 +10946,8 @@
       </dsp:nvSpPr>
       <dsp:spPr>
         <a:xfrm>
-          <a:off x="3313221" y="3024636"/>
-          <a:ext cx="990699" cy="302042"/>
+          <a:off x="3400853" y="3395180"/>
+          <a:ext cx="1112068" cy="339045"/>
         </a:xfrm>
         <a:prstGeom prst="rect">
           <a:avLst/>
@@ -10774,12 +10998,12 @@
         </a:fontRef>
       </dsp:style>
       <dsp:txBody>
-        <a:bodyPr spcFirstLastPara="0" vert="horz" wrap="square" lIns="6350" tIns="6350" rIns="6350" bIns="6350" numCol="1" spcCol="1270" anchor="ctr" anchorCtr="0">
+        <a:bodyPr spcFirstLastPara="0" vert="horz" wrap="square" lIns="6985" tIns="6985" rIns="6985" bIns="6985" numCol="1" spcCol="1270" anchor="ctr" anchorCtr="0">
           <a:noAutofit/>
         </a:bodyPr>
         <a:lstStyle/>
         <a:p>
-          <a:pPr lvl="0" algn="ctr" defTabSz="444500">
+          <a:pPr lvl="0" algn="ctr" defTabSz="488950">
             <a:lnSpc>
               <a:spcPct val="90000"/>
             </a:lnSpc>
@@ -10791,14 +11015,14 @@
             </a:spcAft>
           </a:pPr>
           <a:r>
-            <a:rPr lang="en-US" sz="1000" kern="1200" dirty="0" smtClean="0"/>
+            <a:rPr lang="en-US" sz="1100" kern="1200" dirty="0" smtClean="0"/>
             <a:t>ID #0004-b</a:t>
           </a:r>
         </a:p>
       </dsp:txBody>
       <dsp:txXfrm>
-        <a:off x="3313221" y="3024636"/>
-        <a:ext cx="990699" cy="302042"/>
+        <a:off x="3400853" y="3395180"/>
+        <a:ext cx="1112068" cy="339045"/>
       </dsp:txXfrm>
     </dsp:sp>
     <dsp:sp modelId="{D4ADC53C-F65E-45D0-9C6E-0F23BE24D7B6}">
@@ -10808,8 +11032,8 @@
       </dsp:nvSpPr>
       <dsp:spPr>
         <a:xfrm>
-          <a:off x="2124382" y="4818014"/>
-          <a:ext cx="990699" cy="302042"/>
+          <a:off x="2066371" y="5408262"/>
+          <a:ext cx="1112068" cy="339045"/>
         </a:xfrm>
         <a:prstGeom prst="rect">
           <a:avLst/>
@@ -10860,12 +11084,12 @@
         </a:fontRef>
       </dsp:style>
       <dsp:txBody>
-        <a:bodyPr spcFirstLastPara="0" vert="horz" wrap="square" lIns="6350" tIns="6350" rIns="6350" bIns="6350" numCol="1" spcCol="1270" anchor="ctr" anchorCtr="0">
+        <a:bodyPr spcFirstLastPara="0" vert="horz" wrap="square" lIns="6985" tIns="6985" rIns="6985" bIns="6985" numCol="1" spcCol="1270" anchor="ctr" anchorCtr="0">
           <a:noAutofit/>
         </a:bodyPr>
         <a:lstStyle/>
         <a:p>
-          <a:pPr lvl="0" algn="ctr" defTabSz="444500">
+          <a:pPr lvl="0" algn="ctr" defTabSz="488950">
             <a:lnSpc>
               <a:spcPct val="90000"/>
             </a:lnSpc>
@@ -10877,23 +11101,23 @@
             </a:spcAft>
           </a:pPr>
           <a:r>
-            <a:rPr lang="en-US" sz="1000" kern="1200" dirty="0" smtClean="0"/>
+            <a:rPr lang="en-US" sz="1100" kern="1200" dirty="0" smtClean="0"/>
             <a:t>Concept: </a:t>
           </a:r>
           <a:r>
-            <a:rPr lang="ja-JP" altLang="en-US" sz="1000" kern="1200" dirty="0" smtClean="0"/>
+            <a:rPr lang="ja-JP" altLang="en-US" sz="1100" kern="1200" dirty="0" smtClean="0"/>
             <a:t>て </a:t>
           </a:r>
           <a:r>
-            <a:rPr lang="en-US" altLang="ja-JP" sz="1000" kern="1200" dirty="0" smtClean="0"/>
+            <a:rPr lang="en-US" altLang="ja-JP" sz="1100" kern="1200" dirty="0" smtClean="0"/>
             <a:t>form</a:t>
           </a:r>
-          <a:endParaRPr lang="en-US" sz="1000" kern="1200" dirty="0" smtClean="0"/>
+          <a:endParaRPr lang="en-US" sz="1100" kern="1200" dirty="0" smtClean="0"/>
         </a:p>
       </dsp:txBody>
       <dsp:txXfrm>
-        <a:off x="2124382" y="4818014"/>
-        <a:ext cx="990699" cy="302042"/>
+        <a:off x="2066371" y="5408262"/>
+        <a:ext cx="1112068" cy="339045"/>
       </dsp:txXfrm>
     </dsp:sp>
     <dsp:sp modelId="{4DF7E2F5-3680-4140-853D-CFEE6B07EBCE}">
@@ -10903,8 +11127,8 @@
       </dsp:nvSpPr>
       <dsp:spPr>
         <a:xfrm>
-          <a:off x="3313221" y="3968519"/>
-          <a:ext cx="990699" cy="302042"/>
+          <a:off x="3400853" y="4454697"/>
+          <a:ext cx="1112068" cy="339045"/>
         </a:xfrm>
         <a:prstGeom prst="rect">
           <a:avLst/>
@@ -10955,12 +11179,12 @@
         </a:fontRef>
       </dsp:style>
       <dsp:txBody>
-        <a:bodyPr spcFirstLastPara="0" vert="horz" wrap="square" lIns="6350" tIns="6350" rIns="6350" bIns="6350" numCol="1" spcCol="1270" anchor="ctr" anchorCtr="0">
+        <a:bodyPr spcFirstLastPara="0" vert="horz" wrap="square" lIns="6985" tIns="6985" rIns="6985" bIns="6985" numCol="1" spcCol="1270" anchor="ctr" anchorCtr="0">
           <a:noAutofit/>
         </a:bodyPr>
         <a:lstStyle/>
         <a:p>
-          <a:pPr lvl="0" algn="ctr" defTabSz="444500">
+          <a:pPr lvl="0" algn="ctr" defTabSz="488950">
             <a:lnSpc>
               <a:spcPct val="90000"/>
             </a:lnSpc>
@@ -10972,14 +11196,14 @@
             </a:spcAft>
           </a:pPr>
           <a:r>
-            <a:rPr lang="en-US" sz="1000" kern="1200" dirty="0" smtClean="0"/>
+            <a:rPr lang="en-US" sz="1100" kern="1200" dirty="0" smtClean="0"/>
             <a:t>Mastery</a:t>
           </a:r>
         </a:p>
       </dsp:txBody>
       <dsp:txXfrm>
-        <a:off x="3313221" y="3968519"/>
-        <a:ext cx="990699" cy="302042"/>
+        <a:off x="3400853" y="4454697"/>
+        <a:ext cx="1112068" cy="339045"/>
       </dsp:txXfrm>
     </dsp:sp>
     <dsp:sp modelId="{271326A5-6E40-4A03-B54A-F7DA6AC82458}">
@@ -10989,8 +11213,8 @@
       </dsp:nvSpPr>
       <dsp:spPr>
         <a:xfrm>
-          <a:off x="4502061" y="3402190"/>
-          <a:ext cx="990699" cy="302042"/>
+          <a:off x="4735336" y="3818987"/>
+          <a:ext cx="1112068" cy="339045"/>
         </a:xfrm>
         <a:prstGeom prst="rect">
           <a:avLst/>
@@ -11041,12 +11265,12 @@
         </a:fontRef>
       </dsp:style>
       <dsp:txBody>
-        <a:bodyPr spcFirstLastPara="0" vert="horz" wrap="square" lIns="6350" tIns="6350" rIns="6350" bIns="6350" numCol="1" spcCol="1270" anchor="ctr" anchorCtr="0">
+        <a:bodyPr spcFirstLastPara="0" vert="horz" wrap="square" lIns="6985" tIns="6985" rIns="6985" bIns="6985" numCol="1" spcCol="1270" anchor="ctr" anchorCtr="0">
           <a:noAutofit/>
         </a:bodyPr>
         <a:lstStyle/>
         <a:p>
-          <a:pPr lvl="0" algn="ctr" defTabSz="444500">
+          <a:pPr lvl="0" algn="ctr" defTabSz="488950">
             <a:lnSpc>
               <a:spcPct val="90000"/>
             </a:lnSpc>
@@ -11058,14 +11282,14 @@
             </a:spcAft>
           </a:pPr>
           <a:r>
-            <a:rPr lang="en-US" sz="1000" kern="1200" dirty="0" smtClean="0"/>
+            <a:rPr lang="en-US" sz="1100" kern="1200" dirty="0" smtClean="0"/>
             <a:t>Reading</a:t>
           </a:r>
         </a:p>
       </dsp:txBody>
       <dsp:txXfrm>
-        <a:off x="4502061" y="3402190"/>
-        <a:ext cx="990699" cy="302042"/>
+        <a:off x="4735336" y="3818987"/>
+        <a:ext cx="1112068" cy="339045"/>
       </dsp:txXfrm>
     </dsp:sp>
     <dsp:sp modelId="{23112903-222C-44B6-8CC5-45AF262FF3E2}">
@@ -11075,8 +11299,8 @@
       </dsp:nvSpPr>
       <dsp:spPr>
         <a:xfrm>
-          <a:off x="4502061" y="3779743"/>
-          <a:ext cx="990699" cy="302042"/>
+          <a:off x="4735336" y="4242794"/>
+          <a:ext cx="1112068" cy="339045"/>
         </a:xfrm>
         <a:prstGeom prst="rect">
           <a:avLst/>
@@ -11127,12 +11351,12 @@
         </a:fontRef>
       </dsp:style>
       <dsp:txBody>
-        <a:bodyPr spcFirstLastPara="0" vert="horz" wrap="square" lIns="6350" tIns="6350" rIns="6350" bIns="6350" numCol="1" spcCol="1270" anchor="ctr" anchorCtr="0">
+        <a:bodyPr spcFirstLastPara="0" vert="horz" wrap="square" lIns="6985" tIns="6985" rIns="6985" bIns="6985" numCol="1" spcCol="1270" anchor="ctr" anchorCtr="0">
           <a:noAutofit/>
         </a:bodyPr>
         <a:lstStyle/>
         <a:p>
-          <a:pPr lvl="0" algn="ctr" defTabSz="444500">
+          <a:pPr lvl="0" algn="ctr" defTabSz="488950">
             <a:lnSpc>
               <a:spcPct val="90000"/>
             </a:lnSpc>
@@ -11144,14 +11368,14 @@
             </a:spcAft>
           </a:pPr>
           <a:r>
-            <a:rPr lang="en-US" sz="1000" kern="1200" dirty="0" smtClean="0"/>
+            <a:rPr lang="en-US" sz="1100" kern="1200" dirty="0" smtClean="0"/>
             <a:t>Writing</a:t>
           </a:r>
         </a:p>
       </dsp:txBody>
       <dsp:txXfrm>
-        <a:off x="4502061" y="3779743"/>
-        <a:ext cx="990699" cy="302042"/>
+        <a:off x="4735336" y="4242794"/>
+        <a:ext cx="1112068" cy="339045"/>
       </dsp:txXfrm>
     </dsp:sp>
     <dsp:sp modelId="{793B2345-AA92-4031-A6AC-9DD38CEB6ECA}">
@@ -11161,8 +11385,8 @@
       </dsp:nvSpPr>
       <dsp:spPr>
         <a:xfrm>
-          <a:off x="4502061" y="4157296"/>
-          <a:ext cx="990699" cy="302042"/>
+          <a:off x="4735336" y="4666600"/>
+          <a:ext cx="1112068" cy="339045"/>
         </a:xfrm>
         <a:prstGeom prst="rect">
           <a:avLst/>
@@ -11213,12 +11437,12 @@
         </a:fontRef>
       </dsp:style>
       <dsp:txBody>
-        <a:bodyPr spcFirstLastPara="0" vert="horz" wrap="square" lIns="6350" tIns="6350" rIns="6350" bIns="6350" numCol="1" spcCol="1270" anchor="ctr" anchorCtr="0">
+        <a:bodyPr spcFirstLastPara="0" vert="horz" wrap="square" lIns="6985" tIns="6985" rIns="6985" bIns="6985" numCol="1" spcCol="1270" anchor="ctr" anchorCtr="0">
           <a:noAutofit/>
         </a:bodyPr>
         <a:lstStyle/>
         <a:p>
-          <a:pPr lvl="0" algn="ctr" defTabSz="444500">
+          <a:pPr lvl="0" algn="ctr" defTabSz="488950">
             <a:lnSpc>
               <a:spcPct val="90000"/>
             </a:lnSpc>
@@ -11230,14 +11454,14 @@
             </a:spcAft>
           </a:pPr>
           <a:r>
-            <a:rPr lang="en-US" sz="1000" kern="1200" dirty="0" smtClean="0"/>
+            <a:rPr lang="en-US" sz="1100" kern="1200" dirty="0" smtClean="0"/>
             <a:t>Listening</a:t>
           </a:r>
         </a:p>
       </dsp:txBody>
       <dsp:txXfrm>
-        <a:off x="4502061" y="4157296"/>
-        <a:ext cx="990699" cy="302042"/>
+        <a:off x="4735336" y="4666600"/>
+        <a:ext cx="1112068" cy="339045"/>
       </dsp:txXfrm>
     </dsp:sp>
     <dsp:sp modelId="{7E6C4971-011F-4D93-9DB7-428EB1A1BCFB}">
@@ -11247,8 +11471,8 @@
       </dsp:nvSpPr>
       <dsp:spPr>
         <a:xfrm>
-          <a:off x="4502061" y="4534849"/>
-          <a:ext cx="990699" cy="302042"/>
+          <a:off x="4735336" y="5090407"/>
+          <a:ext cx="1112068" cy="339045"/>
         </a:xfrm>
         <a:prstGeom prst="rect">
           <a:avLst/>
@@ -11299,12 +11523,12 @@
         </a:fontRef>
       </dsp:style>
       <dsp:txBody>
-        <a:bodyPr spcFirstLastPara="0" vert="horz" wrap="square" lIns="6350" tIns="6350" rIns="6350" bIns="6350" numCol="1" spcCol="1270" anchor="ctr" anchorCtr="0">
+        <a:bodyPr spcFirstLastPara="0" vert="horz" wrap="square" lIns="6985" tIns="6985" rIns="6985" bIns="6985" numCol="1" spcCol="1270" anchor="ctr" anchorCtr="0">
           <a:noAutofit/>
         </a:bodyPr>
         <a:lstStyle/>
         <a:p>
-          <a:pPr lvl="0" algn="ctr" defTabSz="444500">
+          <a:pPr lvl="0" algn="ctr" defTabSz="488950">
             <a:lnSpc>
               <a:spcPct val="90000"/>
             </a:lnSpc>
@@ -11316,14 +11540,14 @@
             </a:spcAft>
           </a:pPr>
           <a:r>
-            <a:rPr lang="en-US" sz="1000" kern="1200" dirty="0" smtClean="0"/>
+            <a:rPr lang="en-US" sz="1100" kern="1200" dirty="0" smtClean="0"/>
             <a:t>Speaking</a:t>
           </a:r>
         </a:p>
       </dsp:txBody>
       <dsp:txXfrm>
-        <a:off x="4502061" y="4534849"/>
-        <a:ext cx="990699" cy="302042"/>
+        <a:off x="4735336" y="5090407"/>
+        <a:ext cx="1112068" cy="339045"/>
       </dsp:txXfrm>
     </dsp:sp>
     <dsp:sp modelId="{54B81120-3622-4C6C-9713-07374C418C1E}">
@@ -11333,8 +11557,8 @@
       </dsp:nvSpPr>
       <dsp:spPr>
         <a:xfrm>
-          <a:off x="3313221" y="4912402"/>
-          <a:ext cx="990699" cy="302042"/>
+          <a:off x="3400853" y="5514214"/>
+          <a:ext cx="1112068" cy="339045"/>
         </a:xfrm>
         <a:prstGeom prst="rect">
           <a:avLst/>
@@ -11385,12 +11609,12 @@
         </a:fontRef>
       </dsp:style>
       <dsp:txBody>
-        <a:bodyPr spcFirstLastPara="0" vert="horz" wrap="square" lIns="6350" tIns="6350" rIns="6350" bIns="6350" numCol="1" spcCol="1270" anchor="ctr" anchorCtr="0">
+        <a:bodyPr spcFirstLastPara="0" vert="horz" wrap="square" lIns="6985" tIns="6985" rIns="6985" bIns="6985" numCol="1" spcCol="1270" anchor="ctr" anchorCtr="0">
           <a:noAutofit/>
         </a:bodyPr>
         <a:lstStyle/>
         <a:p>
-          <a:pPr lvl="0" algn="ctr" defTabSz="444500">
+          <a:pPr lvl="0" algn="ctr" defTabSz="488950">
             <a:lnSpc>
               <a:spcPct val="90000"/>
             </a:lnSpc>
@@ -11402,14 +11626,14 @@
             </a:spcAft>
           </a:pPr>
           <a:r>
-            <a:rPr lang="en-US" sz="1000" kern="1200" dirty="0" smtClean="0"/>
+            <a:rPr lang="en-US" sz="1100" kern="1200" dirty="0" smtClean="0"/>
             <a:t>Lesson Tag</a:t>
           </a:r>
         </a:p>
       </dsp:txBody>
       <dsp:txXfrm>
-        <a:off x="3313221" y="4912402"/>
-        <a:ext cx="990699" cy="302042"/>
+        <a:off x="3400853" y="5514214"/>
+        <a:ext cx="1112068" cy="339045"/>
       </dsp:txXfrm>
     </dsp:sp>
     <dsp:sp modelId="{06CF5722-6DF3-47ED-98EB-4D0C319D5552}">
@@ -11419,8 +11643,8 @@
       </dsp:nvSpPr>
       <dsp:spPr>
         <a:xfrm>
-          <a:off x="4502061" y="4912402"/>
-          <a:ext cx="990699" cy="302042"/>
+          <a:off x="4735336" y="5514214"/>
+          <a:ext cx="1112068" cy="339045"/>
         </a:xfrm>
         <a:prstGeom prst="rect">
           <a:avLst/>
@@ -11471,12 +11695,12 @@
         </a:fontRef>
       </dsp:style>
       <dsp:txBody>
-        <a:bodyPr spcFirstLastPara="0" vert="horz" wrap="square" lIns="6350" tIns="6350" rIns="6350" bIns="6350" numCol="1" spcCol="1270" anchor="ctr" anchorCtr="0">
+        <a:bodyPr spcFirstLastPara="0" vert="horz" wrap="square" lIns="6985" tIns="6985" rIns="6985" bIns="6985" numCol="1" spcCol="1270" anchor="ctr" anchorCtr="0">
           <a:noAutofit/>
         </a:bodyPr>
         <a:lstStyle/>
         <a:p>
-          <a:pPr lvl="0" algn="ctr" defTabSz="444500">
+          <a:pPr lvl="0" algn="ctr" defTabSz="488950">
             <a:lnSpc>
               <a:spcPct val="90000"/>
             </a:lnSpc>
@@ -11488,14 +11712,14 @@
             </a:spcAft>
           </a:pPr>
           <a:r>
-            <a:rPr lang="en-US" sz="1000" kern="1200" dirty="0" smtClean="0"/>
+            <a:rPr lang="en-US" sz="1100" kern="1200" dirty="0" smtClean="0"/>
             <a:t>Lesson #3</a:t>
           </a:r>
         </a:p>
       </dsp:txBody>
       <dsp:txXfrm>
-        <a:off x="4502061" y="4912402"/>
-        <a:ext cx="990699" cy="302042"/>
+        <a:off x="4735336" y="5514214"/>
+        <a:ext cx="1112068" cy="339045"/>
       </dsp:txXfrm>
     </dsp:sp>
     <dsp:sp modelId="{8957CB4D-60C1-4F3D-AA0B-E967E4846F5D}">
@@ -11505,8 +11729,8 @@
       </dsp:nvSpPr>
       <dsp:spPr>
         <a:xfrm>
-          <a:off x="3313221" y="5289956"/>
-          <a:ext cx="990699" cy="302042"/>
+          <a:off x="3400853" y="5938020"/>
+          <a:ext cx="1112068" cy="339045"/>
         </a:xfrm>
         <a:prstGeom prst="rect">
           <a:avLst/>
@@ -11557,12 +11781,12 @@
         </a:fontRef>
       </dsp:style>
       <dsp:txBody>
-        <a:bodyPr spcFirstLastPara="0" vert="horz" wrap="square" lIns="6350" tIns="6350" rIns="6350" bIns="6350" numCol="1" spcCol="1270" anchor="ctr" anchorCtr="0">
+        <a:bodyPr spcFirstLastPara="0" vert="horz" wrap="square" lIns="6985" tIns="6985" rIns="6985" bIns="6985" numCol="1" spcCol="1270" anchor="ctr" anchorCtr="0">
           <a:noAutofit/>
         </a:bodyPr>
         <a:lstStyle/>
         <a:p>
-          <a:pPr lvl="0" algn="ctr" defTabSz="444500">
+          <a:pPr lvl="0" algn="ctr" defTabSz="488950">
             <a:lnSpc>
               <a:spcPct val="90000"/>
             </a:lnSpc>
@@ -11574,14 +11798,14 @@
             </a:spcAft>
           </a:pPr>
           <a:r>
-            <a:rPr lang="en-US" sz="1000" kern="1200" dirty="0" smtClean="0"/>
+            <a:rPr lang="en-US" sz="1100" kern="1200" dirty="0" smtClean="0"/>
             <a:t>Type</a:t>
           </a:r>
         </a:p>
       </dsp:txBody>
       <dsp:txXfrm>
-        <a:off x="3313221" y="5289956"/>
-        <a:ext cx="990699" cy="302042"/>
+        <a:off x="3400853" y="5938020"/>
+        <a:ext cx="1112068" cy="339045"/>
       </dsp:txXfrm>
     </dsp:sp>
     <dsp:sp modelId="{59C52C3B-F5BC-4A7B-99E1-7B49A3B4BC2F}">
@@ -11591,8 +11815,8 @@
       </dsp:nvSpPr>
       <dsp:spPr>
         <a:xfrm>
-          <a:off x="4502061" y="5289956"/>
-          <a:ext cx="990699" cy="302042"/>
+          <a:off x="4735336" y="5938020"/>
+          <a:ext cx="1112068" cy="339045"/>
         </a:xfrm>
         <a:prstGeom prst="rect">
           <a:avLst/>
@@ -11643,12 +11867,12 @@
         </a:fontRef>
       </dsp:style>
       <dsp:txBody>
-        <a:bodyPr spcFirstLastPara="0" vert="horz" wrap="square" lIns="6350" tIns="6350" rIns="6350" bIns="6350" numCol="1" spcCol="1270" anchor="ctr" anchorCtr="0">
+        <a:bodyPr spcFirstLastPara="0" vert="horz" wrap="square" lIns="6985" tIns="6985" rIns="6985" bIns="6985" numCol="1" spcCol="1270" anchor="ctr" anchorCtr="0">
           <a:noAutofit/>
         </a:bodyPr>
         <a:lstStyle/>
         <a:p>
-          <a:pPr lvl="0" algn="ctr" defTabSz="444500">
+          <a:pPr lvl="0" algn="ctr" defTabSz="488950">
             <a:lnSpc>
               <a:spcPct val="90000"/>
             </a:lnSpc>
@@ -11660,14 +11884,14 @@
             </a:spcAft>
           </a:pPr>
           <a:r>
-            <a:rPr lang="en-US" sz="1000" kern="1200" dirty="0" smtClean="0"/>
+            <a:rPr lang="en-US" sz="1100" kern="1200" dirty="0" smtClean="0"/>
             <a:t>Grammatical (*)</a:t>
           </a:r>
         </a:p>
       </dsp:txBody>
       <dsp:txXfrm>
-        <a:off x="4502061" y="5289956"/>
-        <a:ext cx="990699" cy="302042"/>
+        <a:off x="4735336" y="5938020"/>
+        <a:ext cx="1112068" cy="339045"/>
       </dsp:txXfrm>
     </dsp:sp>
     <dsp:sp modelId="{14EEE441-6FE5-49BC-8F74-44A874B89791}">
@@ -11677,8 +11901,8 @@
       </dsp:nvSpPr>
       <dsp:spPr>
         <a:xfrm>
-          <a:off x="3313221" y="5667509"/>
-          <a:ext cx="990699" cy="302042"/>
+          <a:off x="3400853" y="6361827"/>
+          <a:ext cx="1112068" cy="339045"/>
         </a:xfrm>
         <a:prstGeom prst="rect">
           <a:avLst/>
@@ -11729,12 +11953,12 @@
         </a:fontRef>
       </dsp:style>
       <dsp:txBody>
-        <a:bodyPr spcFirstLastPara="0" vert="horz" wrap="square" lIns="6350" tIns="6350" rIns="6350" bIns="6350" numCol="1" spcCol="1270" anchor="ctr" anchorCtr="0">
+        <a:bodyPr spcFirstLastPara="0" vert="horz" wrap="square" lIns="6985" tIns="6985" rIns="6985" bIns="6985" numCol="1" spcCol="1270" anchor="ctr" anchorCtr="0">
           <a:noAutofit/>
         </a:bodyPr>
         <a:lstStyle/>
         <a:p>
-          <a:pPr lvl="0" algn="ctr" defTabSz="444500">
+          <a:pPr lvl="0" algn="ctr" defTabSz="488950">
             <a:lnSpc>
               <a:spcPct val="90000"/>
             </a:lnSpc>
@@ -11746,14 +11970,14 @@
             </a:spcAft>
           </a:pPr>
           <a:r>
-            <a:rPr lang="en-US" sz="1000" kern="1200" dirty="0" smtClean="0"/>
+            <a:rPr lang="en-US" sz="1100" kern="1200" dirty="0" smtClean="0"/>
             <a:t>ID #0010</a:t>
           </a:r>
         </a:p>
       </dsp:txBody>
       <dsp:txXfrm>
-        <a:off x="3313221" y="5667509"/>
-        <a:ext cx="990699" cy="302042"/>
+        <a:off x="3400853" y="6361827"/>
+        <a:ext cx="1112068" cy="339045"/>
       </dsp:txXfrm>
     </dsp:sp>
   </dsp:spTree>
@@ -18980,14 +19204,14 @@
             <p:ph idx="1"/>
             <p:extLst>
               <p:ext uri="{D42A27DB-BD31-4B8C-83A1-F6EECF244321}">
-                <p14:modId xmlns:p14="http://schemas.microsoft.com/office/powerpoint/2010/main" val="3699534216"/>
+                <p14:modId xmlns:p14="http://schemas.microsoft.com/office/powerpoint/2010/main" val="2949892143"/>
               </p:ext>
             </p:extLst>
           </p:nvPr>
         </p:nvGraphicFramePr>
         <p:xfrm>
-          <a:off x="381000" y="152400"/>
-          <a:ext cx="8305800" cy="5973763"/>
+          <a:off x="11545" y="152400"/>
+          <a:ext cx="8686800" cy="6705600"/>
         </p:xfrm>
         <a:graphic>
           <a:graphicData uri="http://schemas.openxmlformats.org/drawingml/2006/diagram">
